--- a/README.pptx
+++ b/README.pptx
@@ -5,7 +5,8 @@
     <p:sldMasterId id="2147483648" r:id="rId1"/>
   </p:sldMasterIdLst>
   <p:sldIdLst>
-    <p:sldId id="256" r:id="rId2"/>
+    <p:sldId id="257" r:id="rId2"/>
+    <p:sldId id="256" r:id="rId3"/>
   </p:sldIdLst>
   <p:sldSz cx="12192000" cy="6858000"/>
   <p:notesSz cx="6858000" cy="9144000"/>
@@ -104,6 +105,11 @@
       </a:defRPr>
     </a:lvl9pPr>
   </p:defaultTextStyle>
+  <p:extLst>
+    <p:ext uri="{EFAFB233-063F-42B5-8137-9DF3F51BA10A}">
+      <p15:sldGuideLst xmlns:p15="http://schemas.microsoft.com/office/powerpoint/2012/main"/>
+    </p:ext>
+  </p:extLst>
 </p:presentation>
 </file>
 
@@ -3593,6 +3599,2196 @@
 </file>
 
 <file path=ppt/slides/slide1.xml><?xml version="1.0" encoding="utf-8"?>
+<p:sld xmlns:a="http://schemas.openxmlformats.org/drawingml/2006/main" xmlns:r="http://schemas.openxmlformats.org/officeDocument/2006/relationships" xmlns:p="http://schemas.openxmlformats.org/presentationml/2006/main">
+  <p:cSld>
+    <p:spTree>
+      <p:nvGrpSpPr>
+        <p:cNvPr id="1" name=""/>
+        <p:cNvGrpSpPr/>
+        <p:nvPr/>
+      </p:nvGrpSpPr>
+      <p:grpSpPr>
+        <a:xfrm>
+          <a:off x="0" y="0"/>
+          <a:ext cx="0" cy="0"/>
+          <a:chOff x="0" y="0"/>
+          <a:chExt cx="0" cy="0"/>
+        </a:xfrm>
+      </p:grpSpPr>
+      <p:pic>
+        <p:nvPicPr>
+          <p:cNvPr id="1026" name="Picture 2" descr="OpenAI">
+            <a:extLst>
+              <a:ext uri="{FF2B5EF4-FFF2-40B4-BE49-F238E27FC236}">
+                <a16:creationId xmlns:a16="http://schemas.microsoft.com/office/drawing/2014/main" id="{CEBE69F9-1CF1-B9AA-46C3-884D5384E66B}"/>
+              </a:ext>
+            </a:extLst>
+          </p:cNvPr>
+          <p:cNvPicPr>
+            <a:picLocks noChangeAspect="1" noChangeArrowheads="1"/>
+          </p:cNvPicPr>
+          <p:nvPr/>
+        </p:nvPicPr>
+        <p:blipFill>
+          <a:blip r:embed="rId2">
+            <a:extLst>
+              <a:ext uri="{28A0092B-C50C-407E-A947-70E740481C1C}">
+                <a14:useLocalDpi xmlns:a14="http://schemas.microsoft.com/office/drawing/2010/main" val="0"/>
+              </a:ext>
+            </a:extLst>
+          </a:blip>
+          <a:srcRect/>
+          <a:stretch>
+            <a:fillRect/>
+          </a:stretch>
+        </p:blipFill>
+        <p:spPr bwMode="auto">
+          <a:xfrm>
+            <a:off x="4912119" y="982707"/>
+            <a:ext cx="2535253" cy="1014101"/>
+          </a:xfrm>
+          <a:prstGeom prst="rect">
+            <a:avLst/>
+          </a:prstGeom>
+          <a:noFill/>
+          <a:extLst>
+            <a:ext uri="{909E8E84-426E-40DD-AFC4-6F175D3DCCD1}">
+              <a14:hiddenFill xmlns:a14="http://schemas.microsoft.com/office/drawing/2010/main">
+                <a:solidFill>
+                  <a:srgbClr val="FFFFFF"/>
+                </a:solidFill>
+              </a14:hiddenFill>
+            </a:ext>
+          </a:extLst>
+        </p:spPr>
+      </p:pic>
+      <p:sp>
+        <p:nvSpPr>
+          <p:cNvPr id="30" name="テキスト ボックス 29">
+            <a:extLst>
+              <a:ext uri="{FF2B5EF4-FFF2-40B4-BE49-F238E27FC236}">
+                <a16:creationId xmlns:a16="http://schemas.microsoft.com/office/drawing/2014/main" id="{0E1CDB43-7A10-881D-CC83-3528FD71B18D}"/>
+              </a:ext>
+            </a:extLst>
+          </p:cNvPr>
+          <p:cNvSpPr txBox="1"/>
+          <p:nvPr/>
+        </p:nvSpPr>
+        <p:spPr>
+          <a:xfrm>
+            <a:off x="3617186" y="153261"/>
+            <a:ext cx="5125121" cy="523220"/>
+          </a:xfrm>
+          <a:prstGeom prst="rect">
+            <a:avLst/>
+          </a:prstGeom>
+          <a:noFill/>
+        </p:spPr>
+        <p:txBody>
+          <a:bodyPr wrap="none" rtlCol="0" anchor="ctr">
+            <a:spAutoFit/>
+          </a:bodyPr>
+          <a:lstStyle/>
+          <a:p>
+            <a:pPr algn="ctr"/>
+            <a:r>
+              <a:rPr kumimoji="1" lang="en-US" altLang="ja-JP" sz="2800" b="1" dirty="0" err="1"/>
+              <a:t>HelloLangChain</a:t>
+            </a:r>
+            <a:r>
+              <a:rPr kumimoji="1" lang="ja-JP" altLang="en-US" sz="2800" b="1" dirty="0"/>
+              <a:t>デモシナリオ</a:t>
+            </a:r>
+          </a:p>
+        </p:txBody>
+      </p:sp>
+      <p:pic>
+        <p:nvPicPr>
+          <p:cNvPr id="3" name="図 2">
+            <a:extLst>
+              <a:ext uri="{FF2B5EF4-FFF2-40B4-BE49-F238E27FC236}">
+                <a16:creationId xmlns:a16="http://schemas.microsoft.com/office/drawing/2014/main" id="{D810CCED-1F78-1E1E-5E2F-CA90AB1EB652}"/>
+              </a:ext>
+            </a:extLst>
+          </p:cNvPr>
+          <p:cNvPicPr>
+            <a:picLocks noChangeAspect="1"/>
+          </p:cNvPicPr>
+          <p:nvPr/>
+        </p:nvPicPr>
+        <p:blipFill>
+          <a:blip r:embed="rId3"/>
+          <a:stretch>
+            <a:fillRect/>
+          </a:stretch>
+        </p:blipFill>
+        <p:spPr>
+          <a:xfrm>
+            <a:off x="199706" y="2380316"/>
+            <a:ext cx="2477926" cy="723369"/>
+          </a:xfrm>
+          <a:prstGeom prst="rect">
+            <a:avLst/>
+          </a:prstGeom>
+        </p:spPr>
+      </p:pic>
+      <p:sp>
+        <p:nvSpPr>
+          <p:cNvPr id="4" name="テキスト ボックス 3">
+            <a:extLst>
+              <a:ext uri="{FF2B5EF4-FFF2-40B4-BE49-F238E27FC236}">
+                <a16:creationId xmlns:a16="http://schemas.microsoft.com/office/drawing/2014/main" id="{61FAA9F9-EFAC-224A-AF3B-FF221A8F5CAB}"/>
+              </a:ext>
+            </a:extLst>
+          </p:cNvPr>
+          <p:cNvSpPr txBox="1"/>
+          <p:nvPr/>
+        </p:nvSpPr>
+        <p:spPr>
+          <a:xfrm>
+            <a:off x="199705" y="2052956"/>
+            <a:ext cx="1826141" cy="338554"/>
+          </a:xfrm>
+          <a:prstGeom prst="rect">
+            <a:avLst/>
+          </a:prstGeom>
+          <a:noFill/>
+        </p:spPr>
+        <p:txBody>
+          <a:bodyPr wrap="none" rtlCol="0">
+            <a:spAutoFit/>
+          </a:bodyPr>
+          <a:lstStyle/>
+          <a:p>
+            <a:r>
+              <a:rPr lang="ja-JP" altLang="en-US" sz="1600" dirty="0"/>
+              <a:t>テキストファイル</a:t>
+            </a:r>
+            <a:endParaRPr kumimoji="1" lang="ja-JP" altLang="en-US" sz="1600" dirty="0"/>
+          </a:p>
+        </p:txBody>
+      </p:sp>
+      <p:pic>
+        <p:nvPicPr>
+          <p:cNvPr id="6" name="図 5">
+            <a:extLst>
+              <a:ext uri="{FF2B5EF4-FFF2-40B4-BE49-F238E27FC236}">
+                <a16:creationId xmlns:a16="http://schemas.microsoft.com/office/drawing/2014/main" id="{E7C2C94B-42D8-FE68-00D0-A8653A744A80}"/>
+              </a:ext>
+            </a:extLst>
+          </p:cNvPr>
+          <p:cNvPicPr>
+            <a:picLocks noChangeAspect="1"/>
+          </p:cNvPicPr>
+          <p:nvPr/>
+        </p:nvPicPr>
+        <p:blipFill rotWithShape="1">
+          <a:blip r:embed="rId4"/>
+          <a:srcRect t="14580"/>
+          <a:stretch/>
+        </p:blipFill>
+        <p:spPr>
+          <a:xfrm>
+            <a:off x="196775" y="3596837"/>
+            <a:ext cx="2475726" cy="983955"/>
+          </a:xfrm>
+          <a:prstGeom prst="rect">
+            <a:avLst/>
+          </a:prstGeom>
+        </p:spPr>
+      </p:pic>
+      <p:sp>
+        <p:nvSpPr>
+          <p:cNvPr id="7" name="テキスト ボックス 6">
+            <a:extLst>
+              <a:ext uri="{FF2B5EF4-FFF2-40B4-BE49-F238E27FC236}">
+                <a16:creationId xmlns:a16="http://schemas.microsoft.com/office/drawing/2014/main" id="{2EE80066-4F11-18F1-3C7A-E1A826714701}"/>
+              </a:ext>
+            </a:extLst>
+          </p:cNvPr>
+          <p:cNvSpPr txBox="1"/>
+          <p:nvPr/>
+        </p:nvSpPr>
+        <p:spPr>
+          <a:xfrm>
+            <a:off x="196775" y="3269913"/>
+            <a:ext cx="1418978" cy="338554"/>
+          </a:xfrm>
+          <a:prstGeom prst="rect">
+            <a:avLst/>
+          </a:prstGeom>
+          <a:noFill/>
+        </p:spPr>
+        <p:txBody>
+          <a:bodyPr wrap="none" rtlCol="0">
+            <a:spAutoFit/>
+          </a:bodyPr>
+          <a:lstStyle/>
+          <a:p>
+            <a:r>
+              <a:rPr lang="en-US" altLang="ja-JP" sz="1600" dirty="0"/>
+              <a:t>PDF</a:t>
+            </a:r>
+            <a:r>
+              <a:rPr lang="ja-JP" altLang="en-US" sz="1600" dirty="0"/>
+              <a:t>ファイル</a:t>
+            </a:r>
+            <a:endParaRPr kumimoji="1" lang="ja-JP" altLang="en-US" sz="1600" dirty="0"/>
+          </a:p>
+        </p:txBody>
+      </p:sp>
+      <p:pic>
+        <p:nvPicPr>
+          <p:cNvPr id="18" name="図 17">
+            <a:extLst>
+              <a:ext uri="{FF2B5EF4-FFF2-40B4-BE49-F238E27FC236}">
+                <a16:creationId xmlns:a16="http://schemas.microsoft.com/office/drawing/2014/main" id="{2173FD29-B27C-0216-A9C9-DA350EC46D1A}"/>
+              </a:ext>
+            </a:extLst>
+          </p:cNvPr>
+          <p:cNvPicPr>
+            <a:picLocks noChangeAspect="1"/>
+          </p:cNvPicPr>
+          <p:nvPr/>
+        </p:nvPicPr>
+        <p:blipFill>
+          <a:blip r:embed="rId5"/>
+          <a:stretch>
+            <a:fillRect/>
+          </a:stretch>
+        </p:blipFill>
+        <p:spPr>
+          <a:xfrm>
+            <a:off x="288263" y="5146050"/>
+            <a:ext cx="2278730" cy="1425257"/>
+          </a:xfrm>
+          <a:prstGeom prst="rect">
+            <a:avLst/>
+          </a:prstGeom>
+        </p:spPr>
+      </p:pic>
+      <p:sp>
+        <p:nvSpPr>
+          <p:cNvPr id="19" name="テキスト ボックス 18">
+            <a:extLst>
+              <a:ext uri="{FF2B5EF4-FFF2-40B4-BE49-F238E27FC236}">
+                <a16:creationId xmlns:a16="http://schemas.microsoft.com/office/drawing/2014/main" id="{4661BD1D-2D94-2FC0-B062-86726D8D6F96}"/>
+              </a:ext>
+            </a:extLst>
+          </p:cNvPr>
+          <p:cNvSpPr txBox="1"/>
+          <p:nvPr/>
+        </p:nvSpPr>
+        <p:spPr>
+          <a:xfrm>
+            <a:off x="196775" y="4815651"/>
+            <a:ext cx="1407758" cy="338554"/>
+          </a:xfrm>
+          <a:prstGeom prst="rect">
+            <a:avLst/>
+          </a:prstGeom>
+          <a:noFill/>
+        </p:spPr>
+        <p:txBody>
+          <a:bodyPr wrap="none" rtlCol="0">
+            <a:spAutoFit/>
+          </a:bodyPr>
+          <a:lstStyle/>
+          <a:p>
+            <a:r>
+              <a:rPr lang="en-US" altLang="ja-JP" sz="1600" dirty="0"/>
+              <a:t>PPT</a:t>
+            </a:r>
+            <a:r>
+              <a:rPr lang="ja-JP" altLang="en-US" sz="1600" dirty="0"/>
+              <a:t>ファイル</a:t>
+            </a:r>
+            <a:endParaRPr kumimoji="1" lang="ja-JP" altLang="en-US" sz="1600" dirty="0"/>
+          </a:p>
+        </p:txBody>
+      </p:sp>
+      <p:sp>
+        <p:nvSpPr>
+          <p:cNvPr id="21" name="正方形/長方形 20">
+            <a:extLst>
+              <a:ext uri="{FF2B5EF4-FFF2-40B4-BE49-F238E27FC236}">
+                <a16:creationId xmlns:a16="http://schemas.microsoft.com/office/drawing/2014/main" id="{339BA354-BFF9-4DC4-7B2D-8B30159199BF}"/>
+              </a:ext>
+            </a:extLst>
+          </p:cNvPr>
+          <p:cNvSpPr/>
+          <p:nvPr/>
+        </p:nvSpPr>
+        <p:spPr>
+          <a:xfrm>
+            <a:off x="3975315" y="2547503"/>
+            <a:ext cx="1094281" cy="388994"/>
+          </a:xfrm>
+          <a:prstGeom prst="rect">
+            <a:avLst/>
+          </a:prstGeom>
+          <a:solidFill>
+            <a:schemeClr val="accent6">
+              <a:lumMod val="20000"/>
+              <a:lumOff val="80000"/>
+            </a:schemeClr>
+          </a:solidFill>
+        </p:spPr>
+        <p:style>
+          <a:lnRef idx="2">
+            <a:schemeClr val="accent1">
+              <a:shade val="50000"/>
+            </a:schemeClr>
+          </a:lnRef>
+          <a:fillRef idx="1">
+            <a:schemeClr val="accent1"/>
+          </a:fillRef>
+          <a:effectRef idx="0">
+            <a:schemeClr val="accent1"/>
+          </a:effectRef>
+          <a:fontRef idx="minor">
+            <a:schemeClr val="lt1"/>
+          </a:fontRef>
+        </p:style>
+        <p:txBody>
+          <a:bodyPr rtlCol="0" anchor="ctr"/>
+          <a:lstStyle/>
+          <a:p>
+            <a:pPr algn="ctr"/>
+            <a:r>
+              <a:rPr lang="en-US" altLang="ja-JP" sz="1200" dirty="0" err="1">
+                <a:solidFill>
+                  <a:schemeClr val="tx1"/>
+                </a:solidFill>
+              </a:rPr>
+              <a:t>TextLoader</a:t>
+            </a:r>
+            <a:endParaRPr lang="ja-JP" altLang="en-US" sz="1200" dirty="0">
+              <a:solidFill>
+                <a:schemeClr val="tx1"/>
+              </a:solidFill>
+            </a:endParaRPr>
+          </a:p>
+        </p:txBody>
+      </p:sp>
+      <p:sp>
+        <p:nvSpPr>
+          <p:cNvPr id="22" name="フローチャート: 磁気ディスク 21">
+            <a:extLst>
+              <a:ext uri="{FF2B5EF4-FFF2-40B4-BE49-F238E27FC236}">
+                <a16:creationId xmlns:a16="http://schemas.microsoft.com/office/drawing/2014/main" id="{714BF567-3133-6B3D-39A5-E754280FB4A1}"/>
+              </a:ext>
+            </a:extLst>
+          </p:cNvPr>
+          <p:cNvSpPr/>
+          <p:nvPr/>
+        </p:nvSpPr>
+        <p:spPr>
+          <a:xfrm>
+            <a:off x="6179746" y="4389091"/>
+            <a:ext cx="2278730" cy="1104852"/>
+          </a:xfrm>
+          <a:prstGeom prst="flowChartMagneticDisk">
+            <a:avLst/>
+          </a:prstGeom>
+          <a:solidFill>
+            <a:schemeClr val="bg1"/>
+          </a:solidFill>
+        </p:spPr>
+        <p:style>
+          <a:lnRef idx="2">
+            <a:schemeClr val="accent1">
+              <a:shade val="50000"/>
+            </a:schemeClr>
+          </a:lnRef>
+          <a:fillRef idx="1">
+            <a:schemeClr val="accent1"/>
+          </a:fillRef>
+          <a:effectRef idx="0">
+            <a:schemeClr val="accent1"/>
+          </a:effectRef>
+          <a:fontRef idx="minor">
+            <a:schemeClr val="lt1"/>
+          </a:fontRef>
+        </p:style>
+        <p:txBody>
+          <a:bodyPr rtlCol="0" anchor="ctr"/>
+          <a:lstStyle/>
+          <a:p>
+            <a:pPr algn="ctr"/>
+            <a:r>
+              <a:rPr lang="ja-JP" altLang="en-US" sz="1200" dirty="0">
+                <a:solidFill>
+                  <a:schemeClr val="tx1"/>
+                </a:solidFill>
+              </a:rPr>
+              <a:t>ベクトル</a:t>
+            </a:r>
+            <a:r>
+              <a:rPr lang="en-US" altLang="ja-JP" sz="1200" dirty="0">
+                <a:solidFill>
+                  <a:schemeClr val="tx1"/>
+                </a:solidFill>
+              </a:rPr>
+              <a:t>DB</a:t>
+            </a:r>
+          </a:p>
+          <a:p>
+            <a:pPr algn="ctr"/>
+            <a:r>
+              <a:rPr lang="en-US" altLang="ja-JP" sz="1200" dirty="0">
+                <a:solidFill>
+                  <a:schemeClr val="tx1"/>
+                </a:solidFill>
+              </a:rPr>
+              <a:t>(</a:t>
+            </a:r>
+            <a:r>
+              <a:rPr lang="en-US" altLang="ja-JP" sz="1200" dirty="0" err="1">
+                <a:solidFill>
+                  <a:schemeClr val="tx1"/>
+                </a:solidFill>
+              </a:rPr>
+              <a:t>chromadb</a:t>
+            </a:r>
+            <a:r>
+              <a:rPr lang="en-US" altLang="ja-JP" sz="1200" dirty="0">
+                <a:solidFill>
+                  <a:schemeClr val="tx1"/>
+                </a:solidFill>
+              </a:rPr>
+              <a:t>)</a:t>
+            </a:r>
+            <a:endParaRPr lang="ja-JP" altLang="en-US" sz="1200" dirty="0">
+              <a:solidFill>
+                <a:schemeClr val="tx1"/>
+              </a:solidFill>
+            </a:endParaRPr>
+          </a:p>
+        </p:txBody>
+      </p:sp>
+      <p:sp>
+        <p:nvSpPr>
+          <p:cNvPr id="24" name="正方形/長方形 23">
+            <a:extLst>
+              <a:ext uri="{FF2B5EF4-FFF2-40B4-BE49-F238E27FC236}">
+                <a16:creationId xmlns:a16="http://schemas.microsoft.com/office/drawing/2014/main" id="{325090B7-1DE2-A0F4-7CC2-815D62C0673F}"/>
+              </a:ext>
+            </a:extLst>
+          </p:cNvPr>
+          <p:cNvSpPr/>
+          <p:nvPr/>
+        </p:nvSpPr>
+        <p:spPr>
+          <a:xfrm>
+            <a:off x="4020339" y="3894317"/>
+            <a:ext cx="1272965" cy="388994"/>
+          </a:xfrm>
+          <a:prstGeom prst="rect">
+            <a:avLst/>
+          </a:prstGeom>
+          <a:solidFill>
+            <a:schemeClr val="accent6">
+              <a:lumMod val="20000"/>
+              <a:lumOff val="80000"/>
+            </a:schemeClr>
+          </a:solidFill>
+        </p:spPr>
+        <p:style>
+          <a:lnRef idx="2">
+            <a:schemeClr val="accent1">
+              <a:shade val="50000"/>
+            </a:schemeClr>
+          </a:lnRef>
+          <a:fillRef idx="1">
+            <a:schemeClr val="accent1"/>
+          </a:fillRef>
+          <a:effectRef idx="0">
+            <a:schemeClr val="accent1"/>
+          </a:effectRef>
+          <a:fontRef idx="minor">
+            <a:schemeClr val="lt1"/>
+          </a:fontRef>
+        </p:style>
+        <p:txBody>
+          <a:bodyPr rtlCol="0" anchor="ctr"/>
+          <a:lstStyle/>
+          <a:p>
+            <a:pPr algn="ctr"/>
+            <a:r>
+              <a:rPr lang="en-US" altLang="ja-JP" sz="1200" dirty="0" err="1">
+                <a:solidFill>
+                  <a:schemeClr val="tx1"/>
+                </a:solidFill>
+              </a:rPr>
+              <a:t>PyPDFLoader</a:t>
+            </a:r>
+            <a:endParaRPr lang="ja-JP" altLang="en-US" sz="1200" dirty="0">
+              <a:solidFill>
+                <a:schemeClr val="tx1"/>
+              </a:solidFill>
+            </a:endParaRPr>
+          </a:p>
+        </p:txBody>
+      </p:sp>
+      <p:sp>
+        <p:nvSpPr>
+          <p:cNvPr id="26" name="正方形/長方形 25">
+            <a:extLst>
+              <a:ext uri="{FF2B5EF4-FFF2-40B4-BE49-F238E27FC236}">
+                <a16:creationId xmlns:a16="http://schemas.microsoft.com/office/drawing/2014/main" id="{CC956646-A92F-B6F1-2038-E71D66AB06A3}"/>
+              </a:ext>
+            </a:extLst>
+          </p:cNvPr>
+          <p:cNvSpPr/>
+          <p:nvPr/>
+        </p:nvSpPr>
+        <p:spPr>
+          <a:xfrm>
+            <a:off x="4035011" y="5459356"/>
+            <a:ext cx="1272965" cy="801349"/>
+          </a:xfrm>
+          <a:prstGeom prst="rect">
+            <a:avLst/>
+          </a:prstGeom>
+          <a:solidFill>
+            <a:schemeClr val="accent6">
+              <a:lumMod val="20000"/>
+              <a:lumOff val="80000"/>
+            </a:schemeClr>
+          </a:solidFill>
+        </p:spPr>
+        <p:style>
+          <a:lnRef idx="2">
+            <a:schemeClr val="accent1">
+              <a:shade val="50000"/>
+            </a:schemeClr>
+          </a:lnRef>
+          <a:fillRef idx="1">
+            <a:schemeClr val="accent1"/>
+          </a:fillRef>
+          <a:effectRef idx="0">
+            <a:schemeClr val="accent1"/>
+          </a:effectRef>
+          <a:fontRef idx="minor">
+            <a:schemeClr val="lt1"/>
+          </a:fontRef>
+        </p:style>
+        <p:txBody>
+          <a:bodyPr rtlCol="0" anchor="ctr"/>
+          <a:lstStyle/>
+          <a:p>
+            <a:pPr algn="ctr"/>
+            <a:r>
+              <a:rPr lang="en-US" altLang="ja-JP" sz="1200" dirty="0">
+                <a:solidFill>
+                  <a:schemeClr val="tx1"/>
+                </a:solidFill>
+              </a:rPr>
+              <a:t>Unstructured</a:t>
+            </a:r>
+          </a:p>
+          <a:p>
+            <a:pPr algn="ctr"/>
+            <a:r>
+              <a:rPr lang="en-US" altLang="ja-JP" sz="1200" dirty="0">
+                <a:solidFill>
+                  <a:schemeClr val="tx1"/>
+                </a:solidFill>
+              </a:rPr>
+              <a:t>PowerPoint</a:t>
+            </a:r>
+          </a:p>
+          <a:p>
+            <a:pPr algn="ctr"/>
+            <a:r>
+              <a:rPr lang="en-US" altLang="ja-JP" sz="1200" dirty="0">
+                <a:solidFill>
+                  <a:schemeClr val="tx1"/>
+                </a:solidFill>
+              </a:rPr>
+              <a:t>Loader</a:t>
+            </a:r>
+            <a:endParaRPr lang="ja-JP" altLang="en-US" sz="1200" dirty="0">
+              <a:solidFill>
+                <a:schemeClr val="tx1"/>
+              </a:solidFill>
+            </a:endParaRPr>
+          </a:p>
+        </p:txBody>
+      </p:sp>
+      <p:sp>
+        <p:nvSpPr>
+          <p:cNvPr id="27" name="正方形/長方形 26">
+            <a:extLst>
+              <a:ext uri="{FF2B5EF4-FFF2-40B4-BE49-F238E27FC236}">
+                <a16:creationId xmlns:a16="http://schemas.microsoft.com/office/drawing/2014/main" id="{C0F19994-37ED-CAA4-A3BC-1D7FBDEF20C0}"/>
+              </a:ext>
+            </a:extLst>
+          </p:cNvPr>
+          <p:cNvSpPr/>
+          <p:nvPr/>
+        </p:nvSpPr>
+        <p:spPr>
+          <a:xfrm>
+            <a:off x="5579093" y="2649649"/>
+            <a:ext cx="1738390" cy="573695"/>
+          </a:xfrm>
+          <a:prstGeom prst="rect">
+            <a:avLst/>
+          </a:prstGeom>
+          <a:solidFill>
+            <a:schemeClr val="accent6">
+              <a:lumMod val="20000"/>
+              <a:lumOff val="80000"/>
+            </a:schemeClr>
+          </a:solidFill>
+        </p:spPr>
+        <p:style>
+          <a:lnRef idx="2">
+            <a:schemeClr val="accent1">
+              <a:shade val="50000"/>
+            </a:schemeClr>
+          </a:lnRef>
+          <a:fillRef idx="1">
+            <a:schemeClr val="accent1"/>
+          </a:fillRef>
+          <a:effectRef idx="0">
+            <a:schemeClr val="accent1"/>
+          </a:effectRef>
+          <a:fontRef idx="minor">
+            <a:schemeClr val="lt1"/>
+          </a:fontRef>
+        </p:style>
+        <p:txBody>
+          <a:bodyPr rtlCol="0" anchor="ctr"/>
+          <a:lstStyle/>
+          <a:p>
+            <a:pPr algn="ctr"/>
+            <a:r>
+              <a:rPr lang="en-US" altLang="ja-JP" sz="1200" dirty="0" err="1">
+                <a:solidFill>
+                  <a:schemeClr val="tx1"/>
+                </a:solidFill>
+              </a:rPr>
+              <a:t>OpenAI</a:t>
+            </a:r>
+            <a:endParaRPr lang="en-US" altLang="ja-JP" sz="1200" dirty="0">
+              <a:solidFill>
+                <a:schemeClr val="tx1"/>
+              </a:solidFill>
+            </a:endParaRPr>
+          </a:p>
+          <a:p>
+            <a:pPr algn="ctr"/>
+            <a:r>
+              <a:rPr lang="en-US" altLang="ja-JP" sz="1200" dirty="0">
+                <a:solidFill>
+                  <a:schemeClr val="tx1"/>
+                </a:solidFill>
+              </a:rPr>
+              <a:t>Embeddings</a:t>
+            </a:r>
+            <a:endParaRPr lang="ja-JP" altLang="en-US" sz="1200" dirty="0">
+              <a:solidFill>
+                <a:schemeClr val="tx1"/>
+              </a:solidFill>
+            </a:endParaRPr>
+          </a:p>
+        </p:txBody>
+      </p:sp>
+      <p:sp>
+        <p:nvSpPr>
+          <p:cNvPr id="29" name="正方形/長方形 28">
+            <a:extLst>
+              <a:ext uri="{FF2B5EF4-FFF2-40B4-BE49-F238E27FC236}">
+                <a16:creationId xmlns:a16="http://schemas.microsoft.com/office/drawing/2014/main" id="{3AA4161C-B2C6-1D91-0B6C-D4FB83F68DD5}"/>
+              </a:ext>
+            </a:extLst>
+          </p:cNvPr>
+          <p:cNvSpPr/>
+          <p:nvPr/>
+        </p:nvSpPr>
+        <p:spPr>
+          <a:xfrm>
+            <a:off x="7639608" y="2649649"/>
+            <a:ext cx="1738390" cy="573695"/>
+          </a:xfrm>
+          <a:prstGeom prst="rect">
+            <a:avLst/>
+          </a:prstGeom>
+          <a:solidFill>
+            <a:schemeClr val="accent6">
+              <a:lumMod val="20000"/>
+              <a:lumOff val="80000"/>
+            </a:schemeClr>
+          </a:solidFill>
+        </p:spPr>
+        <p:style>
+          <a:lnRef idx="2">
+            <a:schemeClr val="accent1">
+              <a:shade val="50000"/>
+            </a:schemeClr>
+          </a:lnRef>
+          <a:fillRef idx="1">
+            <a:schemeClr val="accent1"/>
+          </a:fillRef>
+          <a:effectRef idx="0">
+            <a:schemeClr val="accent1"/>
+          </a:effectRef>
+          <a:fontRef idx="minor">
+            <a:schemeClr val="lt1"/>
+          </a:fontRef>
+        </p:style>
+        <p:txBody>
+          <a:bodyPr rtlCol="0" anchor="ctr"/>
+          <a:lstStyle/>
+          <a:p>
+            <a:pPr algn="ctr"/>
+            <a:r>
+              <a:rPr lang="en-US" altLang="ja-JP" sz="1200" dirty="0" err="1">
+                <a:solidFill>
+                  <a:schemeClr val="tx1"/>
+                </a:solidFill>
+              </a:rPr>
+              <a:t>RetrievalQA</a:t>
+            </a:r>
+            <a:endParaRPr lang="ja-JP" altLang="en-US" sz="1200" dirty="0">
+              <a:solidFill>
+                <a:schemeClr val="tx1"/>
+              </a:solidFill>
+            </a:endParaRPr>
+          </a:p>
+        </p:txBody>
+      </p:sp>
+      <p:cxnSp>
+        <p:nvCxnSpPr>
+          <p:cNvPr id="32" name="直線矢印コネクタ 31">
+            <a:extLst>
+              <a:ext uri="{FF2B5EF4-FFF2-40B4-BE49-F238E27FC236}">
+                <a16:creationId xmlns:a16="http://schemas.microsoft.com/office/drawing/2014/main" id="{0855B629-C31A-1F5A-9FE4-CB794D9D33F6}"/>
+              </a:ext>
+            </a:extLst>
+          </p:cNvPr>
+          <p:cNvCxnSpPr>
+            <a:cxnSpLocks/>
+            <a:stCxn id="21" idx="3"/>
+          </p:cNvCxnSpPr>
+          <p:nvPr/>
+        </p:nvCxnSpPr>
+        <p:spPr>
+          <a:xfrm>
+            <a:off x="5069596" y="2742000"/>
+            <a:ext cx="1264547" cy="1677882"/>
+          </a:xfrm>
+          <a:prstGeom prst="straightConnector1">
+            <a:avLst/>
+          </a:prstGeom>
+          <a:ln>
+            <a:tailEnd type="triangle"/>
+          </a:ln>
+        </p:spPr>
+        <p:style>
+          <a:lnRef idx="1">
+            <a:schemeClr val="accent1"/>
+          </a:lnRef>
+          <a:fillRef idx="0">
+            <a:schemeClr val="accent1"/>
+          </a:fillRef>
+          <a:effectRef idx="0">
+            <a:schemeClr val="accent1"/>
+          </a:effectRef>
+          <a:fontRef idx="minor">
+            <a:schemeClr val="tx1"/>
+          </a:fontRef>
+        </p:style>
+      </p:cxnSp>
+      <p:cxnSp>
+        <p:nvCxnSpPr>
+          <p:cNvPr id="33" name="直線矢印コネクタ 32">
+            <a:extLst>
+              <a:ext uri="{FF2B5EF4-FFF2-40B4-BE49-F238E27FC236}">
+                <a16:creationId xmlns:a16="http://schemas.microsoft.com/office/drawing/2014/main" id="{D1B69FE6-6F96-996F-447F-1EB897E13FD9}"/>
+              </a:ext>
+            </a:extLst>
+          </p:cNvPr>
+          <p:cNvCxnSpPr>
+            <a:cxnSpLocks/>
+            <a:stCxn id="24" idx="3"/>
+          </p:cNvCxnSpPr>
+          <p:nvPr/>
+        </p:nvCxnSpPr>
+        <p:spPr>
+          <a:xfrm>
+            <a:off x="5293304" y="4088814"/>
+            <a:ext cx="922435" cy="575122"/>
+          </a:xfrm>
+          <a:prstGeom prst="straightConnector1">
+            <a:avLst/>
+          </a:prstGeom>
+          <a:ln>
+            <a:tailEnd type="triangle"/>
+          </a:ln>
+        </p:spPr>
+        <p:style>
+          <a:lnRef idx="1">
+            <a:schemeClr val="accent1"/>
+          </a:lnRef>
+          <a:fillRef idx="0">
+            <a:schemeClr val="accent1"/>
+          </a:fillRef>
+          <a:effectRef idx="0">
+            <a:schemeClr val="accent1"/>
+          </a:effectRef>
+          <a:fontRef idx="minor">
+            <a:schemeClr val="tx1"/>
+          </a:fontRef>
+        </p:style>
+      </p:cxnSp>
+      <p:cxnSp>
+        <p:nvCxnSpPr>
+          <p:cNvPr id="36" name="直線矢印コネクタ 35">
+            <a:extLst>
+              <a:ext uri="{FF2B5EF4-FFF2-40B4-BE49-F238E27FC236}">
+                <a16:creationId xmlns:a16="http://schemas.microsoft.com/office/drawing/2014/main" id="{7A32D675-A9DF-7DD3-83C9-0C0356A378AB}"/>
+              </a:ext>
+            </a:extLst>
+          </p:cNvPr>
+          <p:cNvCxnSpPr>
+            <a:cxnSpLocks/>
+            <a:stCxn id="26" idx="3"/>
+            <a:endCxn id="22" idx="2"/>
+          </p:cNvCxnSpPr>
+          <p:nvPr/>
+        </p:nvCxnSpPr>
+        <p:spPr>
+          <a:xfrm flipV="1">
+            <a:off x="5307976" y="4941517"/>
+            <a:ext cx="871770" cy="918514"/>
+          </a:xfrm>
+          <a:prstGeom prst="straightConnector1">
+            <a:avLst/>
+          </a:prstGeom>
+          <a:ln>
+            <a:tailEnd type="triangle"/>
+          </a:ln>
+        </p:spPr>
+        <p:style>
+          <a:lnRef idx="1">
+            <a:schemeClr val="accent1"/>
+          </a:lnRef>
+          <a:fillRef idx="0">
+            <a:schemeClr val="accent1"/>
+          </a:fillRef>
+          <a:effectRef idx="0">
+            <a:schemeClr val="accent1"/>
+          </a:effectRef>
+          <a:fontRef idx="minor">
+            <a:schemeClr val="tx1"/>
+          </a:fontRef>
+        </p:style>
+      </p:cxnSp>
+      <p:cxnSp>
+        <p:nvCxnSpPr>
+          <p:cNvPr id="39" name="直線矢印コネクタ 38">
+            <a:extLst>
+              <a:ext uri="{FF2B5EF4-FFF2-40B4-BE49-F238E27FC236}">
+                <a16:creationId xmlns:a16="http://schemas.microsoft.com/office/drawing/2014/main" id="{AA139246-2759-2BF2-CA04-022BA861F383}"/>
+              </a:ext>
+            </a:extLst>
+          </p:cNvPr>
+          <p:cNvCxnSpPr>
+            <a:cxnSpLocks/>
+            <a:stCxn id="3" idx="3"/>
+            <a:endCxn id="21" idx="1"/>
+          </p:cNvCxnSpPr>
+          <p:nvPr/>
+        </p:nvCxnSpPr>
+        <p:spPr>
+          <a:xfrm flipV="1">
+            <a:off x="2677632" y="2742000"/>
+            <a:ext cx="1297683" cy="1"/>
+          </a:xfrm>
+          <a:prstGeom prst="straightConnector1">
+            <a:avLst/>
+          </a:prstGeom>
+          <a:ln>
+            <a:tailEnd type="triangle"/>
+          </a:ln>
+        </p:spPr>
+        <p:style>
+          <a:lnRef idx="1">
+            <a:schemeClr val="accent1"/>
+          </a:lnRef>
+          <a:fillRef idx="0">
+            <a:schemeClr val="accent1"/>
+          </a:fillRef>
+          <a:effectRef idx="0">
+            <a:schemeClr val="accent1"/>
+          </a:effectRef>
+          <a:fontRef idx="minor">
+            <a:schemeClr val="tx1"/>
+          </a:fontRef>
+        </p:style>
+      </p:cxnSp>
+      <p:cxnSp>
+        <p:nvCxnSpPr>
+          <p:cNvPr id="43" name="直線矢印コネクタ 42">
+            <a:extLst>
+              <a:ext uri="{FF2B5EF4-FFF2-40B4-BE49-F238E27FC236}">
+                <a16:creationId xmlns:a16="http://schemas.microsoft.com/office/drawing/2014/main" id="{48396854-8C54-7426-AF0D-EC8F7A772143}"/>
+              </a:ext>
+            </a:extLst>
+          </p:cNvPr>
+          <p:cNvCxnSpPr>
+            <a:cxnSpLocks/>
+            <a:stCxn id="6" idx="3"/>
+            <a:endCxn id="24" idx="1"/>
+          </p:cNvCxnSpPr>
+          <p:nvPr/>
+        </p:nvCxnSpPr>
+        <p:spPr>
+          <a:xfrm flipV="1">
+            <a:off x="2672501" y="4088814"/>
+            <a:ext cx="1347838" cy="1"/>
+          </a:xfrm>
+          <a:prstGeom prst="straightConnector1">
+            <a:avLst/>
+          </a:prstGeom>
+          <a:ln>
+            <a:tailEnd type="triangle"/>
+          </a:ln>
+        </p:spPr>
+        <p:style>
+          <a:lnRef idx="1">
+            <a:schemeClr val="accent1"/>
+          </a:lnRef>
+          <a:fillRef idx="0">
+            <a:schemeClr val="accent1"/>
+          </a:fillRef>
+          <a:effectRef idx="0">
+            <a:schemeClr val="accent1"/>
+          </a:effectRef>
+          <a:fontRef idx="minor">
+            <a:schemeClr val="tx1"/>
+          </a:fontRef>
+        </p:style>
+      </p:cxnSp>
+      <p:cxnSp>
+        <p:nvCxnSpPr>
+          <p:cNvPr id="46" name="直線矢印コネクタ 45">
+            <a:extLst>
+              <a:ext uri="{FF2B5EF4-FFF2-40B4-BE49-F238E27FC236}">
+                <a16:creationId xmlns:a16="http://schemas.microsoft.com/office/drawing/2014/main" id="{5D7F660B-E3FE-E60D-1430-5753871F17AC}"/>
+              </a:ext>
+            </a:extLst>
+          </p:cNvPr>
+          <p:cNvCxnSpPr>
+            <a:cxnSpLocks/>
+            <a:stCxn id="18" idx="3"/>
+            <a:endCxn id="26" idx="1"/>
+          </p:cNvCxnSpPr>
+          <p:nvPr/>
+        </p:nvCxnSpPr>
+        <p:spPr>
+          <a:xfrm>
+            <a:off x="2566993" y="5858679"/>
+            <a:ext cx="1468018" cy="1352"/>
+          </a:xfrm>
+          <a:prstGeom prst="straightConnector1">
+            <a:avLst/>
+          </a:prstGeom>
+          <a:ln>
+            <a:tailEnd type="triangle"/>
+          </a:ln>
+        </p:spPr>
+        <p:style>
+          <a:lnRef idx="1">
+            <a:schemeClr val="accent1"/>
+          </a:lnRef>
+          <a:fillRef idx="0">
+            <a:schemeClr val="accent1"/>
+          </a:fillRef>
+          <a:effectRef idx="0">
+            <a:schemeClr val="accent1"/>
+          </a:effectRef>
+          <a:fontRef idx="minor">
+            <a:schemeClr val="tx1"/>
+          </a:fontRef>
+        </p:style>
+      </p:cxnSp>
+      <p:cxnSp>
+        <p:nvCxnSpPr>
+          <p:cNvPr id="49" name="直線矢印コネクタ 48">
+            <a:extLst>
+              <a:ext uri="{FF2B5EF4-FFF2-40B4-BE49-F238E27FC236}">
+                <a16:creationId xmlns:a16="http://schemas.microsoft.com/office/drawing/2014/main" id="{AA19C20C-4A51-80C7-482B-2CD78B30CD69}"/>
+              </a:ext>
+            </a:extLst>
+          </p:cNvPr>
+          <p:cNvCxnSpPr>
+            <a:cxnSpLocks/>
+            <a:stCxn id="27" idx="2"/>
+          </p:cNvCxnSpPr>
+          <p:nvPr/>
+        </p:nvCxnSpPr>
+        <p:spPr>
+          <a:xfrm>
+            <a:off x="6448288" y="3223344"/>
+            <a:ext cx="409712" cy="1165747"/>
+          </a:xfrm>
+          <a:prstGeom prst="straightConnector1">
+            <a:avLst/>
+          </a:prstGeom>
+          <a:ln>
+            <a:tailEnd type="triangle"/>
+          </a:ln>
+        </p:spPr>
+        <p:style>
+          <a:lnRef idx="1">
+            <a:schemeClr val="accent1"/>
+          </a:lnRef>
+          <a:fillRef idx="0">
+            <a:schemeClr val="accent1"/>
+          </a:fillRef>
+          <a:effectRef idx="0">
+            <a:schemeClr val="accent1"/>
+          </a:effectRef>
+          <a:fontRef idx="minor">
+            <a:schemeClr val="tx1"/>
+          </a:fontRef>
+        </p:style>
+      </p:cxnSp>
+      <p:cxnSp>
+        <p:nvCxnSpPr>
+          <p:cNvPr id="52" name="直線矢印コネクタ 51">
+            <a:extLst>
+              <a:ext uri="{FF2B5EF4-FFF2-40B4-BE49-F238E27FC236}">
+                <a16:creationId xmlns:a16="http://schemas.microsoft.com/office/drawing/2014/main" id="{2E99617E-B4B6-B297-1E44-86DE30C84095}"/>
+              </a:ext>
+            </a:extLst>
+          </p:cNvPr>
+          <p:cNvCxnSpPr>
+            <a:cxnSpLocks/>
+            <a:stCxn id="29" idx="2"/>
+          </p:cNvCxnSpPr>
+          <p:nvPr/>
+        </p:nvCxnSpPr>
+        <p:spPr>
+          <a:xfrm flipH="1">
+            <a:off x="7850335" y="3223344"/>
+            <a:ext cx="658468" cy="1165747"/>
+          </a:xfrm>
+          <a:prstGeom prst="straightConnector1">
+            <a:avLst/>
+          </a:prstGeom>
+          <a:ln>
+            <a:tailEnd type="triangle"/>
+          </a:ln>
+        </p:spPr>
+        <p:style>
+          <a:lnRef idx="1">
+            <a:schemeClr val="accent1"/>
+          </a:lnRef>
+          <a:fillRef idx="0">
+            <a:schemeClr val="accent1"/>
+          </a:fillRef>
+          <a:effectRef idx="0">
+            <a:schemeClr val="accent1"/>
+          </a:effectRef>
+          <a:fontRef idx="minor">
+            <a:schemeClr val="tx1"/>
+          </a:fontRef>
+        </p:style>
+      </p:cxnSp>
+      <p:cxnSp>
+        <p:nvCxnSpPr>
+          <p:cNvPr id="55" name="直線矢印コネクタ 54">
+            <a:extLst>
+              <a:ext uri="{FF2B5EF4-FFF2-40B4-BE49-F238E27FC236}">
+                <a16:creationId xmlns:a16="http://schemas.microsoft.com/office/drawing/2014/main" id="{00A96666-485F-3DD3-A5D9-E07731AC0345}"/>
+              </a:ext>
+            </a:extLst>
+          </p:cNvPr>
+          <p:cNvCxnSpPr>
+            <a:cxnSpLocks/>
+            <a:stCxn id="27" idx="0"/>
+          </p:cNvCxnSpPr>
+          <p:nvPr/>
+        </p:nvCxnSpPr>
+        <p:spPr>
+          <a:xfrm flipH="1" flipV="1">
+            <a:off x="6096000" y="1802699"/>
+            <a:ext cx="352288" cy="846950"/>
+          </a:xfrm>
+          <a:prstGeom prst="straightConnector1">
+            <a:avLst/>
+          </a:prstGeom>
+          <a:ln>
+            <a:tailEnd type="triangle"/>
+          </a:ln>
+        </p:spPr>
+        <p:style>
+          <a:lnRef idx="1">
+            <a:schemeClr val="accent1"/>
+          </a:lnRef>
+          <a:fillRef idx="0">
+            <a:schemeClr val="accent1"/>
+          </a:fillRef>
+          <a:effectRef idx="0">
+            <a:schemeClr val="accent1"/>
+          </a:effectRef>
+          <a:fontRef idx="minor">
+            <a:schemeClr val="tx1"/>
+          </a:fontRef>
+        </p:style>
+      </p:cxnSp>
+      <p:cxnSp>
+        <p:nvCxnSpPr>
+          <p:cNvPr id="59" name="直線矢印コネクタ 58">
+            <a:extLst>
+              <a:ext uri="{FF2B5EF4-FFF2-40B4-BE49-F238E27FC236}">
+                <a16:creationId xmlns:a16="http://schemas.microsoft.com/office/drawing/2014/main" id="{55C76CB5-D661-185B-C729-65D8E455522B}"/>
+              </a:ext>
+            </a:extLst>
+          </p:cNvPr>
+          <p:cNvCxnSpPr>
+            <a:cxnSpLocks/>
+            <a:stCxn id="29" idx="0"/>
+          </p:cNvCxnSpPr>
+          <p:nvPr/>
+        </p:nvCxnSpPr>
+        <p:spPr>
+          <a:xfrm flipH="1" flipV="1">
+            <a:off x="6796454" y="1802699"/>
+            <a:ext cx="1712349" cy="846950"/>
+          </a:xfrm>
+          <a:prstGeom prst="straightConnector1">
+            <a:avLst/>
+          </a:prstGeom>
+          <a:ln>
+            <a:tailEnd type="triangle"/>
+          </a:ln>
+        </p:spPr>
+        <p:style>
+          <a:lnRef idx="1">
+            <a:schemeClr val="accent1"/>
+          </a:lnRef>
+          <a:fillRef idx="0">
+            <a:schemeClr val="accent1"/>
+          </a:fillRef>
+          <a:effectRef idx="0">
+            <a:schemeClr val="accent1"/>
+          </a:effectRef>
+          <a:fontRef idx="minor">
+            <a:schemeClr val="tx1"/>
+          </a:fontRef>
+        </p:style>
+      </p:cxnSp>
+      <p:sp>
+        <p:nvSpPr>
+          <p:cNvPr id="1025" name="スマイル 1024">
+            <a:extLst>
+              <a:ext uri="{FF2B5EF4-FFF2-40B4-BE49-F238E27FC236}">
+                <a16:creationId xmlns:a16="http://schemas.microsoft.com/office/drawing/2014/main" id="{0F781A1D-EFE8-BA64-FFF5-6F94A1447E64}"/>
+              </a:ext>
+            </a:extLst>
+          </p:cNvPr>
+          <p:cNvSpPr/>
+          <p:nvPr/>
+        </p:nvSpPr>
+        <p:spPr>
+          <a:xfrm>
+            <a:off x="11077894" y="2479296"/>
+            <a:ext cx="914400" cy="914400"/>
+          </a:xfrm>
+          <a:prstGeom prst="smileyFace">
+            <a:avLst/>
+          </a:prstGeom>
+          <a:solidFill>
+            <a:schemeClr val="bg1"/>
+          </a:solidFill>
+        </p:spPr>
+        <p:style>
+          <a:lnRef idx="2">
+            <a:schemeClr val="accent1">
+              <a:shade val="50000"/>
+            </a:schemeClr>
+          </a:lnRef>
+          <a:fillRef idx="1">
+            <a:schemeClr val="accent1"/>
+          </a:fillRef>
+          <a:effectRef idx="0">
+            <a:schemeClr val="accent1"/>
+          </a:effectRef>
+          <a:fontRef idx="minor">
+            <a:schemeClr val="lt1"/>
+          </a:fontRef>
+        </p:style>
+        <p:txBody>
+          <a:bodyPr rtlCol="0" anchor="ctr"/>
+          <a:lstStyle/>
+          <a:p>
+            <a:pPr algn="ctr"/>
+            <a:endParaRPr lang="ja-JP" altLang="en-US" sz="1600">
+              <a:solidFill>
+                <a:schemeClr val="tx1"/>
+              </a:solidFill>
+            </a:endParaRPr>
+          </a:p>
+        </p:txBody>
+      </p:sp>
+      <p:cxnSp>
+        <p:nvCxnSpPr>
+          <p:cNvPr id="1027" name="直線矢印コネクタ 1026">
+            <a:extLst>
+              <a:ext uri="{FF2B5EF4-FFF2-40B4-BE49-F238E27FC236}">
+                <a16:creationId xmlns:a16="http://schemas.microsoft.com/office/drawing/2014/main" id="{A263B18B-8697-B9FA-3DFB-2402AE80F423}"/>
+              </a:ext>
+            </a:extLst>
+          </p:cNvPr>
+          <p:cNvCxnSpPr>
+            <a:cxnSpLocks/>
+          </p:cNvCxnSpPr>
+          <p:nvPr/>
+        </p:nvCxnSpPr>
+        <p:spPr>
+          <a:xfrm flipH="1">
+            <a:off x="9377998" y="2775101"/>
+            <a:ext cx="1621179" cy="0"/>
+          </a:xfrm>
+          <a:prstGeom prst="straightConnector1">
+            <a:avLst/>
+          </a:prstGeom>
+          <a:ln>
+            <a:tailEnd type="triangle"/>
+          </a:ln>
+        </p:spPr>
+        <p:style>
+          <a:lnRef idx="1">
+            <a:schemeClr val="accent1"/>
+          </a:lnRef>
+          <a:fillRef idx="0">
+            <a:schemeClr val="accent1"/>
+          </a:fillRef>
+          <a:effectRef idx="0">
+            <a:schemeClr val="accent1"/>
+          </a:effectRef>
+          <a:fontRef idx="minor">
+            <a:schemeClr val="tx1"/>
+          </a:fontRef>
+        </p:style>
+      </p:cxnSp>
+      <p:cxnSp>
+        <p:nvCxnSpPr>
+          <p:cNvPr id="1032" name="直線矢印コネクタ 1031">
+            <a:extLst>
+              <a:ext uri="{FF2B5EF4-FFF2-40B4-BE49-F238E27FC236}">
+                <a16:creationId xmlns:a16="http://schemas.microsoft.com/office/drawing/2014/main" id="{BC2BEDEF-99C2-6047-2A7B-4C0E867E34C8}"/>
+              </a:ext>
+            </a:extLst>
+          </p:cNvPr>
+          <p:cNvCxnSpPr>
+            <a:cxnSpLocks/>
+          </p:cNvCxnSpPr>
+          <p:nvPr/>
+        </p:nvCxnSpPr>
+        <p:spPr>
+          <a:xfrm>
+            <a:off x="9377998" y="3099331"/>
+            <a:ext cx="1699896" cy="0"/>
+          </a:xfrm>
+          <a:prstGeom prst="straightConnector1">
+            <a:avLst/>
+          </a:prstGeom>
+          <a:ln>
+            <a:tailEnd type="triangle"/>
+          </a:ln>
+        </p:spPr>
+        <p:style>
+          <a:lnRef idx="1">
+            <a:schemeClr val="accent1"/>
+          </a:lnRef>
+          <a:fillRef idx="0">
+            <a:schemeClr val="accent1"/>
+          </a:fillRef>
+          <a:effectRef idx="0">
+            <a:schemeClr val="accent1"/>
+          </a:effectRef>
+          <a:fontRef idx="minor">
+            <a:schemeClr val="tx1"/>
+          </a:fontRef>
+        </p:style>
+      </p:cxnSp>
+      <p:sp>
+        <p:nvSpPr>
+          <p:cNvPr id="1038" name="テキスト ボックス 1037">
+            <a:extLst>
+              <a:ext uri="{FF2B5EF4-FFF2-40B4-BE49-F238E27FC236}">
+                <a16:creationId xmlns:a16="http://schemas.microsoft.com/office/drawing/2014/main" id="{BE94438A-8AC2-64F7-776A-81B73F676AE1}"/>
+              </a:ext>
+            </a:extLst>
+          </p:cNvPr>
+          <p:cNvSpPr txBox="1"/>
+          <p:nvPr/>
+        </p:nvSpPr>
+        <p:spPr>
+          <a:xfrm>
+            <a:off x="11077894" y="2107743"/>
+            <a:ext cx="877163" cy="369332"/>
+          </a:xfrm>
+          <a:prstGeom prst="rect">
+            <a:avLst/>
+          </a:prstGeom>
+          <a:noFill/>
+        </p:spPr>
+        <p:txBody>
+          <a:bodyPr wrap="none" rtlCol="0">
+            <a:spAutoFit/>
+          </a:bodyPr>
+          <a:lstStyle/>
+          <a:p>
+            <a:r>
+              <a:rPr lang="ja-JP" altLang="en-US" dirty="0"/>
+              <a:t>利用者</a:t>
+            </a:r>
+            <a:endParaRPr kumimoji="1" lang="ja-JP" altLang="en-US" dirty="0"/>
+          </a:p>
+        </p:txBody>
+      </p:sp>
+      <p:sp>
+        <p:nvSpPr>
+          <p:cNvPr id="1039" name="吹き出し: 角を丸めた四角形 1038">
+            <a:extLst>
+              <a:ext uri="{FF2B5EF4-FFF2-40B4-BE49-F238E27FC236}">
+                <a16:creationId xmlns:a16="http://schemas.microsoft.com/office/drawing/2014/main" id="{49A8076A-07D9-735A-A0D7-182E50D72ACB}"/>
+              </a:ext>
+            </a:extLst>
+          </p:cNvPr>
+          <p:cNvSpPr/>
+          <p:nvPr/>
+        </p:nvSpPr>
+        <p:spPr>
+          <a:xfrm>
+            <a:off x="8990194" y="1348832"/>
+            <a:ext cx="1875546" cy="846950"/>
+          </a:xfrm>
+          <a:prstGeom prst="wedgeRoundRectCallout">
+            <a:avLst>
+              <a:gd name="adj1" fmla="val 22436"/>
+              <a:gd name="adj2" fmla="val 109859"/>
+              <a:gd name="adj3" fmla="val 16667"/>
+            </a:avLst>
+          </a:prstGeom>
+          <a:solidFill>
+            <a:schemeClr val="accent4">
+              <a:lumMod val="20000"/>
+              <a:lumOff val="80000"/>
+            </a:schemeClr>
+          </a:solidFill>
+        </p:spPr>
+        <p:style>
+          <a:lnRef idx="2">
+            <a:schemeClr val="accent1">
+              <a:shade val="50000"/>
+            </a:schemeClr>
+          </a:lnRef>
+          <a:fillRef idx="1">
+            <a:schemeClr val="accent1"/>
+          </a:fillRef>
+          <a:effectRef idx="0">
+            <a:schemeClr val="accent1"/>
+          </a:effectRef>
+          <a:fontRef idx="minor">
+            <a:schemeClr val="lt1"/>
+          </a:fontRef>
+        </p:style>
+        <p:txBody>
+          <a:bodyPr rtlCol="0" anchor="ctr"/>
+          <a:lstStyle/>
+          <a:p>
+            <a:pPr algn="ctr"/>
+            <a:r>
+              <a:rPr lang="en-US" altLang="ja-JP" sz="1600" dirty="0">
+                <a:solidFill>
+                  <a:schemeClr val="tx1"/>
+                </a:solidFill>
+              </a:rPr>
+              <a:t>CTC</a:t>
+            </a:r>
+            <a:r>
+              <a:rPr lang="ja-JP" altLang="en-US" sz="1600" dirty="0">
+                <a:solidFill>
+                  <a:schemeClr val="tx1"/>
+                </a:solidFill>
+              </a:rPr>
+              <a:t>って</a:t>
+            </a:r>
+            <a:endParaRPr lang="en-US" altLang="ja-JP" sz="1600" dirty="0">
+              <a:solidFill>
+                <a:schemeClr val="tx1"/>
+              </a:solidFill>
+            </a:endParaRPr>
+          </a:p>
+          <a:p>
+            <a:pPr algn="ctr"/>
+            <a:r>
+              <a:rPr lang="ja-JP" altLang="en-US" sz="1600" dirty="0">
+                <a:solidFill>
+                  <a:schemeClr val="tx1"/>
+                </a:solidFill>
+              </a:rPr>
+              <a:t>どんな会社？</a:t>
+            </a:r>
+          </a:p>
+        </p:txBody>
+      </p:sp>
+      <p:sp>
+        <p:nvSpPr>
+          <p:cNvPr id="1040" name="吹き出し: 角を丸めた四角形 1039">
+            <a:extLst>
+              <a:ext uri="{FF2B5EF4-FFF2-40B4-BE49-F238E27FC236}">
+                <a16:creationId xmlns:a16="http://schemas.microsoft.com/office/drawing/2014/main" id="{46A587FA-BF7D-E162-1F69-A9A7729BB2D1}"/>
+              </a:ext>
+            </a:extLst>
+          </p:cNvPr>
+          <p:cNvSpPr/>
+          <p:nvPr/>
+        </p:nvSpPr>
+        <p:spPr>
+          <a:xfrm>
+            <a:off x="9041655" y="4007067"/>
+            <a:ext cx="2775207" cy="1868900"/>
+          </a:xfrm>
+          <a:prstGeom prst="wedgeRoundRectCallout">
+            <a:avLst>
+              <a:gd name="adj1" fmla="val -3410"/>
+              <a:gd name="adj2" fmla="val -88390"/>
+              <a:gd name="adj3" fmla="val 16667"/>
+            </a:avLst>
+          </a:prstGeom>
+          <a:solidFill>
+            <a:schemeClr val="accent4">
+              <a:lumMod val="20000"/>
+              <a:lumOff val="80000"/>
+            </a:schemeClr>
+          </a:solidFill>
+        </p:spPr>
+        <p:style>
+          <a:lnRef idx="2">
+            <a:schemeClr val="accent1">
+              <a:shade val="50000"/>
+            </a:schemeClr>
+          </a:lnRef>
+          <a:fillRef idx="1">
+            <a:schemeClr val="accent1"/>
+          </a:fillRef>
+          <a:effectRef idx="0">
+            <a:schemeClr val="accent1"/>
+          </a:effectRef>
+          <a:fontRef idx="minor">
+            <a:schemeClr val="lt1"/>
+          </a:fontRef>
+        </p:style>
+        <p:txBody>
+          <a:bodyPr rtlCol="0" anchor="ctr"/>
+          <a:lstStyle/>
+          <a:p>
+            <a:pPr algn="ctr"/>
+            <a:r>
+              <a:rPr lang="en-US" altLang="ja-JP" sz="1600" dirty="0">
+                <a:solidFill>
+                  <a:schemeClr val="tx1"/>
+                </a:solidFill>
+              </a:rPr>
+              <a:t>CTC</a:t>
+            </a:r>
+            <a:r>
+              <a:rPr lang="ja-JP" altLang="en-US" sz="1600" dirty="0">
+                <a:solidFill>
+                  <a:schemeClr val="tx1"/>
+                </a:solidFill>
+              </a:rPr>
+              <a:t>は伊藤忠テクノソリューションズ株式会社のことです。コンピュータ、ネットワーク、アプリケーションなど</a:t>
+            </a:r>
+            <a:r>
+              <a:rPr lang="en-US" altLang="ja-JP" sz="1600" dirty="0">
+                <a:solidFill>
+                  <a:schemeClr val="tx1"/>
+                </a:solidFill>
+              </a:rPr>
+              <a:t>…</a:t>
+            </a:r>
+            <a:endParaRPr lang="ja-JP" altLang="en-US" sz="1600" dirty="0">
+              <a:solidFill>
+                <a:schemeClr val="tx1"/>
+              </a:solidFill>
+            </a:endParaRPr>
+          </a:p>
+        </p:txBody>
+      </p:sp>
+      <p:sp>
+        <p:nvSpPr>
+          <p:cNvPr id="1042" name="吹き出し: 角を丸めた四角形 1041">
+            <a:extLst>
+              <a:ext uri="{FF2B5EF4-FFF2-40B4-BE49-F238E27FC236}">
+                <a16:creationId xmlns:a16="http://schemas.microsoft.com/office/drawing/2014/main" id="{ED26C2D0-6D61-8EE2-AD90-1CCD14773561}"/>
+              </a:ext>
+            </a:extLst>
+          </p:cNvPr>
+          <p:cNvSpPr/>
+          <p:nvPr/>
+        </p:nvSpPr>
+        <p:spPr>
+          <a:xfrm>
+            <a:off x="536330" y="1340781"/>
+            <a:ext cx="1489516" cy="522017"/>
+          </a:xfrm>
+          <a:prstGeom prst="wedgeRoundRectCallout">
+            <a:avLst>
+              <a:gd name="adj1" fmla="val 24207"/>
+              <a:gd name="adj2" fmla="val 93016"/>
+              <a:gd name="adj3" fmla="val 16667"/>
+            </a:avLst>
+          </a:prstGeom>
+          <a:solidFill>
+            <a:schemeClr val="accent4">
+              <a:lumMod val="20000"/>
+              <a:lumOff val="80000"/>
+            </a:schemeClr>
+          </a:solidFill>
+        </p:spPr>
+        <p:style>
+          <a:lnRef idx="2">
+            <a:schemeClr val="accent1">
+              <a:shade val="50000"/>
+            </a:schemeClr>
+          </a:lnRef>
+          <a:fillRef idx="1">
+            <a:schemeClr val="accent1"/>
+          </a:fillRef>
+          <a:effectRef idx="0">
+            <a:schemeClr val="accent1"/>
+          </a:effectRef>
+          <a:fontRef idx="minor">
+            <a:schemeClr val="lt1"/>
+          </a:fontRef>
+        </p:style>
+        <p:txBody>
+          <a:bodyPr rtlCol="0" anchor="ctr"/>
+          <a:lstStyle/>
+          <a:p>
+            <a:pPr algn="ctr"/>
+            <a:r>
+              <a:rPr lang="ja-JP" altLang="en-US" sz="1600" dirty="0">
+                <a:solidFill>
+                  <a:schemeClr val="tx1"/>
+                </a:solidFill>
+              </a:rPr>
+              <a:t>社内ファイル</a:t>
+            </a:r>
+          </a:p>
+        </p:txBody>
+      </p:sp>
+      <p:sp>
+        <p:nvSpPr>
+          <p:cNvPr id="1043" name="正方形/長方形 1042">
+            <a:extLst>
+              <a:ext uri="{FF2B5EF4-FFF2-40B4-BE49-F238E27FC236}">
+                <a16:creationId xmlns:a16="http://schemas.microsoft.com/office/drawing/2014/main" id="{4668F605-78F1-E8E5-29EE-6D3F4820E68B}"/>
+              </a:ext>
+            </a:extLst>
+          </p:cNvPr>
+          <p:cNvSpPr/>
+          <p:nvPr/>
+        </p:nvSpPr>
+        <p:spPr>
+          <a:xfrm>
+            <a:off x="8650554" y="6099633"/>
+            <a:ext cx="1698242" cy="597295"/>
+          </a:xfrm>
+          <a:prstGeom prst="rect">
+            <a:avLst/>
+          </a:prstGeom>
+          <a:solidFill>
+            <a:schemeClr val="accent6">
+              <a:lumMod val="20000"/>
+              <a:lumOff val="80000"/>
+            </a:schemeClr>
+          </a:solidFill>
+        </p:spPr>
+        <p:style>
+          <a:lnRef idx="2">
+            <a:schemeClr val="accent1">
+              <a:shade val="50000"/>
+            </a:schemeClr>
+          </a:lnRef>
+          <a:fillRef idx="1">
+            <a:schemeClr val="accent1"/>
+          </a:fillRef>
+          <a:effectRef idx="0">
+            <a:schemeClr val="accent1"/>
+          </a:effectRef>
+          <a:fontRef idx="minor">
+            <a:schemeClr val="lt1"/>
+          </a:fontRef>
+        </p:style>
+        <p:txBody>
+          <a:bodyPr rtlCol="0" anchor="ctr"/>
+          <a:lstStyle/>
+          <a:p>
+            <a:pPr algn="ctr"/>
+            <a:r>
+              <a:rPr lang="en-US" altLang="ja-JP" sz="1400" dirty="0" err="1">
+                <a:solidFill>
+                  <a:schemeClr val="tx1"/>
+                </a:solidFill>
+              </a:rPr>
+              <a:t>LangChain</a:t>
+            </a:r>
+            <a:endParaRPr lang="en-US" altLang="ja-JP" sz="1400" dirty="0">
+              <a:solidFill>
+                <a:schemeClr val="tx1"/>
+              </a:solidFill>
+            </a:endParaRPr>
+          </a:p>
+          <a:p>
+            <a:pPr algn="ctr"/>
+            <a:r>
+              <a:rPr lang="ja-JP" altLang="en-US" sz="1400" dirty="0">
+                <a:solidFill>
+                  <a:schemeClr val="tx1"/>
+                </a:solidFill>
+              </a:rPr>
+              <a:t>ライブラリ</a:t>
+            </a:r>
+          </a:p>
+        </p:txBody>
+      </p:sp>
+      <p:sp>
+        <p:nvSpPr>
+          <p:cNvPr id="1044" name="テキスト ボックス 1043">
+            <a:extLst>
+              <a:ext uri="{FF2B5EF4-FFF2-40B4-BE49-F238E27FC236}">
+                <a16:creationId xmlns:a16="http://schemas.microsoft.com/office/drawing/2014/main" id="{0EC9A84A-CDC6-965B-72ED-D22310228AC5}"/>
+              </a:ext>
+            </a:extLst>
+          </p:cNvPr>
+          <p:cNvSpPr txBox="1"/>
+          <p:nvPr/>
+        </p:nvSpPr>
+        <p:spPr>
+          <a:xfrm>
+            <a:off x="7850335" y="6232753"/>
+            <a:ext cx="800219" cy="338554"/>
+          </a:xfrm>
+          <a:prstGeom prst="rect">
+            <a:avLst/>
+          </a:prstGeom>
+          <a:noFill/>
+        </p:spPr>
+        <p:txBody>
+          <a:bodyPr wrap="none" rtlCol="0">
+            <a:spAutoFit/>
+          </a:bodyPr>
+          <a:lstStyle/>
+          <a:p>
+            <a:r>
+              <a:rPr kumimoji="1" lang="ja-JP" altLang="en-US" sz="1600" dirty="0"/>
+              <a:t>凡例：</a:t>
+            </a:r>
+          </a:p>
+        </p:txBody>
+      </p:sp>
+      <p:sp>
+        <p:nvSpPr>
+          <p:cNvPr id="1046" name="テキスト ボックス 1045">
+            <a:extLst>
+              <a:ext uri="{FF2B5EF4-FFF2-40B4-BE49-F238E27FC236}">
+                <a16:creationId xmlns:a16="http://schemas.microsoft.com/office/drawing/2014/main" id="{A618D171-2F07-B747-E1B3-E89E719378D2}"/>
+              </a:ext>
+            </a:extLst>
+          </p:cNvPr>
+          <p:cNvSpPr txBox="1"/>
+          <p:nvPr/>
+        </p:nvSpPr>
+        <p:spPr>
+          <a:xfrm>
+            <a:off x="3060506" y="3806217"/>
+            <a:ext cx="615874" cy="646331"/>
+          </a:xfrm>
+          <a:prstGeom prst="rect">
+            <a:avLst/>
+          </a:prstGeom>
+          <a:solidFill>
+            <a:schemeClr val="bg1"/>
+          </a:solidFill>
+        </p:spPr>
+        <p:txBody>
+          <a:bodyPr wrap="none" rtlCol="0">
+            <a:spAutoFit/>
+          </a:bodyPr>
+          <a:lstStyle/>
+          <a:p>
+            <a:r>
+              <a:rPr lang="en-US" altLang="ja-JP" sz="1200" dirty="0"/>
+              <a:t>Load_</a:t>
+            </a:r>
+          </a:p>
+          <a:p>
+            <a:r>
+              <a:rPr lang="en-US" altLang="ja-JP" sz="1200" dirty="0"/>
+              <a:t>and_</a:t>
+            </a:r>
+          </a:p>
+          <a:p>
+            <a:r>
+              <a:rPr lang="en-US" altLang="ja-JP" sz="1200" dirty="0"/>
+              <a:t>split</a:t>
+            </a:r>
+            <a:endParaRPr kumimoji="1" lang="ja-JP" altLang="en-US" sz="1200" dirty="0"/>
+          </a:p>
+        </p:txBody>
+      </p:sp>
+      <p:sp>
+        <p:nvSpPr>
+          <p:cNvPr id="1053" name="テキスト ボックス 1052">
+            <a:extLst>
+              <a:ext uri="{FF2B5EF4-FFF2-40B4-BE49-F238E27FC236}">
+                <a16:creationId xmlns:a16="http://schemas.microsoft.com/office/drawing/2014/main" id="{B9092346-F342-545B-C457-BF94BCB64E39}"/>
+              </a:ext>
+            </a:extLst>
+          </p:cNvPr>
+          <p:cNvSpPr txBox="1"/>
+          <p:nvPr/>
+        </p:nvSpPr>
+        <p:spPr>
+          <a:xfrm>
+            <a:off x="3057008" y="2562732"/>
+            <a:ext cx="538930" cy="276999"/>
+          </a:xfrm>
+          <a:prstGeom prst="rect">
+            <a:avLst/>
+          </a:prstGeom>
+          <a:solidFill>
+            <a:schemeClr val="bg1"/>
+          </a:solidFill>
+        </p:spPr>
+        <p:txBody>
+          <a:bodyPr wrap="none" rtlCol="0">
+            <a:spAutoFit/>
+          </a:bodyPr>
+          <a:lstStyle/>
+          <a:p>
+            <a:r>
+              <a:rPr lang="en-US" altLang="ja-JP" sz="1200" dirty="0"/>
+              <a:t>Load</a:t>
+            </a:r>
+            <a:endParaRPr kumimoji="1" lang="ja-JP" altLang="en-US" sz="1200" dirty="0"/>
+          </a:p>
+        </p:txBody>
+      </p:sp>
+      <p:sp>
+        <p:nvSpPr>
+          <p:cNvPr id="1056" name="L 字 1055">
+            <a:extLst>
+              <a:ext uri="{FF2B5EF4-FFF2-40B4-BE49-F238E27FC236}">
+                <a16:creationId xmlns:a16="http://schemas.microsoft.com/office/drawing/2014/main" id="{F9C16189-CEBD-9259-8E1C-B80F0EF1CBFC}"/>
+              </a:ext>
+            </a:extLst>
+          </p:cNvPr>
+          <p:cNvSpPr/>
+          <p:nvPr/>
+        </p:nvSpPr>
+        <p:spPr>
+          <a:xfrm rot="5400000">
+            <a:off x="5452274" y="3623714"/>
+            <a:ext cx="1946372" cy="1915879"/>
+          </a:xfrm>
+          <a:prstGeom prst="corner">
+            <a:avLst>
+              <a:gd name="adj1" fmla="val 18666"/>
+              <a:gd name="adj2" fmla="val 16989"/>
+            </a:avLst>
+          </a:prstGeom>
+          <a:solidFill>
+            <a:schemeClr val="bg1"/>
+          </a:solidFill>
+        </p:spPr>
+        <p:style>
+          <a:lnRef idx="2">
+            <a:schemeClr val="accent1">
+              <a:shade val="50000"/>
+            </a:schemeClr>
+          </a:lnRef>
+          <a:fillRef idx="1">
+            <a:schemeClr val="accent1"/>
+          </a:fillRef>
+          <a:effectRef idx="0">
+            <a:schemeClr val="accent1"/>
+          </a:effectRef>
+          <a:fontRef idx="minor">
+            <a:schemeClr val="lt1"/>
+          </a:fontRef>
+        </p:style>
+        <p:txBody>
+          <a:bodyPr rtlCol="0" anchor="ctr"/>
+          <a:lstStyle/>
+          <a:p>
+            <a:pPr algn="ctr"/>
+            <a:endParaRPr kumimoji="1" lang="ja-JP" altLang="en-US"/>
+          </a:p>
+        </p:txBody>
+      </p:sp>
+      <p:sp>
+        <p:nvSpPr>
+          <p:cNvPr id="1058" name="テキスト ボックス 1057">
+            <a:extLst>
+              <a:ext uri="{FF2B5EF4-FFF2-40B4-BE49-F238E27FC236}">
+                <a16:creationId xmlns:a16="http://schemas.microsoft.com/office/drawing/2014/main" id="{0B0F479E-9B8A-1095-8C8B-89B12CF000BE}"/>
+              </a:ext>
+            </a:extLst>
+          </p:cNvPr>
+          <p:cNvSpPr txBox="1"/>
+          <p:nvPr/>
+        </p:nvSpPr>
+        <p:spPr>
+          <a:xfrm>
+            <a:off x="5725862" y="3627140"/>
+            <a:ext cx="1378904" cy="276999"/>
+          </a:xfrm>
+          <a:prstGeom prst="rect">
+            <a:avLst/>
+          </a:prstGeom>
+          <a:noFill/>
+        </p:spPr>
+        <p:txBody>
+          <a:bodyPr wrap="none" rtlCol="0">
+            <a:spAutoFit/>
+          </a:bodyPr>
+          <a:lstStyle/>
+          <a:p>
+            <a:r>
+              <a:rPr lang="en-US" altLang="ja-JP" sz="1200" dirty="0" err="1"/>
+              <a:t>from_documents</a:t>
+            </a:r>
+            <a:endParaRPr kumimoji="1" lang="ja-JP" altLang="en-US" sz="1200" dirty="0"/>
+          </a:p>
+        </p:txBody>
+      </p:sp>
+      <p:sp>
+        <p:nvSpPr>
+          <p:cNvPr id="1059" name="テキスト ボックス 1058">
+            <a:extLst>
+              <a:ext uri="{FF2B5EF4-FFF2-40B4-BE49-F238E27FC236}">
+                <a16:creationId xmlns:a16="http://schemas.microsoft.com/office/drawing/2014/main" id="{64F4320D-3E44-AB7F-85E3-72C94BA77FCD}"/>
+              </a:ext>
+            </a:extLst>
+          </p:cNvPr>
+          <p:cNvSpPr txBox="1"/>
+          <p:nvPr/>
+        </p:nvSpPr>
+        <p:spPr>
+          <a:xfrm>
+            <a:off x="7676965" y="3506402"/>
+            <a:ext cx="1359668" cy="276999"/>
+          </a:xfrm>
+          <a:prstGeom prst="rect">
+            <a:avLst/>
+          </a:prstGeom>
+          <a:solidFill>
+            <a:schemeClr val="bg1"/>
+          </a:solidFill>
+        </p:spPr>
+        <p:txBody>
+          <a:bodyPr wrap="none" rtlCol="0">
+            <a:spAutoFit/>
+          </a:bodyPr>
+          <a:lstStyle/>
+          <a:p>
+            <a:r>
+              <a:rPr lang="en-US" altLang="ja-JP" sz="1200" dirty="0" err="1"/>
+              <a:t>from_chain_type</a:t>
+            </a:r>
+            <a:endParaRPr kumimoji="1" lang="ja-JP" altLang="en-US" sz="1200" dirty="0"/>
+          </a:p>
+        </p:txBody>
+      </p:sp>
+      <p:sp>
+        <p:nvSpPr>
+          <p:cNvPr id="1060" name="テキスト ボックス 1059">
+            <a:extLst>
+              <a:ext uri="{FF2B5EF4-FFF2-40B4-BE49-F238E27FC236}">
+                <a16:creationId xmlns:a16="http://schemas.microsoft.com/office/drawing/2014/main" id="{646BF6DB-0675-B149-3193-4DC6F80EB34F}"/>
+              </a:ext>
+            </a:extLst>
+          </p:cNvPr>
+          <p:cNvSpPr txBox="1"/>
+          <p:nvPr/>
+        </p:nvSpPr>
+        <p:spPr>
+          <a:xfrm>
+            <a:off x="9700123" y="2620474"/>
+            <a:ext cx="420308" cy="276999"/>
+          </a:xfrm>
+          <a:prstGeom prst="rect">
+            <a:avLst/>
+          </a:prstGeom>
+          <a:solidFill>
+            <a:schemeClr val="bg1"/>
+          </a:solidFill>
+        </p:spPr>
+        <p:txBody>
+          <a:bodyPr wrap="none" rtlCol="0">
+            <a:spAutoFit/>
+          </a:bodyPr>
+          <a:lstStyle/>
+          <a:p>
+            <a:r>
+              <a:rPr kumimoji="1" lang="en-US" altLang="ja-JP" sz="1200" dirty="0"/>
+              <a:t>run</a:t>
+            </a:r>
+            <a:endParaRPr kumimoji="1" lang="ja-JP" altLang="en-US" sz="1200" dirty="0"/>
+          </a:p>
+        </p:txBody>
+      </p:sp>
+      <p:sp>
+        <p:nvSpPr>
+          <p:cNvPr id="1061" name="テキスト ボックス 1060">
+            <a:extLst>
+              <a:ext uri="{FF2B5EF4-FFF2-40B4-BE49-F238E27FC236}">
+                <a16:creationId xmlns:a16="http://schemas.microsoft.com/office/drawing/2014/main" id="{1F28EE5C-17CF-807C-D16B-4F19B007D55A}"/>
+              </a:ext>
+            </a:extLst>
+          </p:cNvPr>
+          <p:cNvSpPr txBox="1"/>
+          <p:nvPr/>
+        </p:nvSpPr>
+        <p:spPr>
+          <a:xfrm>
+            <a:off x="10017792" y="2946345"/>
+            <a:ext cx="590226" cy="276999"/>
+          </a:xfrm>
+          <a:prstGeom prst="rect">
+            <a:avLst/>
+          </a:prstGeom>
+          <a:solidFill>
+            <a:schemeClr val="bg1"/>
+          </a:solidFill>
+        </p:spPr>
+        <p:txBody>
+          <a:bodyPr wrap="none" rtlCol="0">
+            <a:spAutoFit/>
+          </a:bodyPr>
+          <a:lstStyle/>
+          <a:p>
+            <a:r>
+              <a:rPr kumimoji="1" lang="en-US" altLang="ja-JP" sz="1200" dirty="0"/>
+              <a:t>result</a:t>
+            </a:r>
+            <a:endParaRPr kumimoji="1" lang="ja-JP" altLang="en-US" sz="1200" dirty="0"/>
+          </a:p>
+        </p:txBody>
+      </p:sp>
+      <p:cxnSp>
+        <p:nvCxnSpPr>
+          <p:cNvPr id="1062" name="直線矢印コネクタ 1061">
+            <a:extLst>
+              <a:ext uri="{FF2B5EF4-FFF2-40B4-BE49-F238E27FC236}">
+                <a16:creationId xmlns:a16="http://schemas.microsoft.com/office/drawing/2014/main" id="{AC583031-1ED2-FC8D-464B-F0752BB57E5D}"/>
+              </a:ext>
+            </a:extLst>
+          </p:cNvPr>
+          <p:cNvCxnSpPr>
+            <a:cxnSpLocks/>
+          </p:cNvCxnSpPr>
+          <p:nvPr/>
+        </p:nvCxnSpPr>
+        <p:spPr>
+          <a:xfrm>
+            <a:off x="10691446" y="6435069"/>
+            <a:ext cx="1263611" cy="0"/>
+          </a:xfrm>
+          <a:prstGeom prst="straightConnector1">
+            <a:avLst/>
+          </a:prstGeom>
+          <a:ln>
+            <a:tailEnd type="triangle"/>
+          </a:ln>
+        </p:spPr>
+        <p:style>
+          <a:lnRef idx="1">
+            <a:schemeClr val="accent1"/>
+          </a:lnRef>
+          <a:fillRef idx="0">
+            <a:schemeClr val="accent1"/>
+          </a:fillRef>
+          <a:effectRef idx="0">
+            <a:schemeClr val="accent1"/>
+          </a:effectRef>
+          <a:fontRef idx="minor">
+            <a:schemeClr val="tx1"/>
+          </a:fontRef>
+        </p:style>
+      </p:cxnSp>
+      <p:sp>
+        <p:nvSpPr>
+          <p:cNvPr id="1063" name="テキスト ボックス 1062">
+            <a:extLst>
+              <a:ext uri="{FF2B5EF4-FFF2-40B4-BE49-F238E27FC236}">
+                <a16:creationId xmlns:a16="http://schemas.microsoft.com/office/drawing/2014/main" id="{2950148F-5F5C-2348-E718-3FA6EDF5625D}"/>
+              </a:ext>
+            </a:extLst>
+          </p:cNvPr>
+          <p:cNvSpPr txBox="1"/>
+          <p:nvPr/>
+        </p:nvSpPr>
+        <p:spPr>
+          <a:xfrm>
+            <a:off x="11028138" y="6294308"/>
+            <a:ext cx="516162" cy="276999"/>
+          </a:xfrm>
+          <a:prstGeom prst="rect">
+            <a:avLst/>
+          </a:prstGeom>
+          <a:solidFill>
+            <a:schemeClr val="bg1"/>
+          </a:solidFill>
+        </p:spPr>
+        <p:txBody>
+          <a:bodyPr wrap="square" rtlCol="0">
+            <a:spAutoFit/>
+          </a:bodyPr>
+          <a:lstStyle/>
+          <a:p>
+            <a:pPr algn="ctr"/>
+            <a:r>
+              <a:rPr lang="ja-JP" altLang="en-US" sz="1200" dirty="0"/>
+              <a:t>関数</a:t>
+            </a:r>
+            <a:endParaRPr kumimoji="1" lang="ja-JP" altLang="en-US" sz="1200" dirty="0"/>
+          </a:p>
+        </p:txBody>
+      </p:sp>
+      <p:sp>
+        <p:nvSpPr>
+          <p:cNvPr id="1065" name="テキスト ボックス 1064">
+            <a:extLst>
+              <a:ext uri="{FF2B5EF4-FFF2-40B4-BE49-F238E27FC236}">
+                <a16:creationId xmlns:a16="http://schemas.microsoft.com/office/drawing/2014/main" id="{0EB2D400-1755-A069-5182-19BF8C03D5CF}"/>
+              </a:ext>
+            </a:extLst>
+          </p:cNvPr>
+          <p:cNvSpPr txBox="1"/>
+          <p:nvPr/>
+        </p:nvSpPr>
+        <p:spPr>
+          <a:xfrm>
+            <a:off x="3079171" y="5446846"/>
+            <a:ext cx="615874" cy="646331"/>
+          </a:xfrm>
+          <a:prstGeom prst="rect">
+            <a:avLst/>
+          </a:prstGeom>
+          <a:solidFill>
+            <a:schemeClr val="bg1"/>
+          </a:solidFill>
+        </p:spPr>
+        <p:txBody>
+          <a:bodyPr wrap="none" rtlCol="0">
+            <a:spAutoFit/>
+          </a:bodyPr>
+          <a:lstStyle/>
+          <a:p>
+            <a:r>
+              <a:rPr lang="en-US" altLang="ja-JP" sz="1200" dirty="0"/>
+              <a:t>Load_</a:t>
+            </a:r>
+          </a:p>
+          <a:p>
+            <a:r>
+              <a:rPr lang="en-US" altLang="ja-JP" sz="1200" dirty="0"/>
+              <a:t>and_</a:t>
+            </a:r>
+          </a:p>
+          <a:p>
+            <a:r>
+              <a:rPr lang="en-US" altLang="ja-JP" sz="1200" dirty="0"/>
+              <a:t>split</a:t>
+            </a:r>
+            <a:endParaRPr kumimoji="1" lang="ja-JP" altLang="en-US" sz="1200" dirty="0"/>
+          </a:p>
+        </p:txBody>
+      </p:sp>
+      <p:sp>
+        <p:nvSpPr>
+          <p:cNvPr id="1066" name="テキスト ボックス 1065">
+            <a:extLst>
+              <a:ext uri="{FF2B5EF4-FFF2-40B4-BE49-F238E27FC236}">
+                <a16:creationId xmlns:a16="http://schemas.microsoft.com/office/drawing/2014/main" id="{33645893-4B04-63E9-9C7C-633DB9319766}"/>
+              </a:ext>
+            </a:extLst>
+          </p:cNvPr>
+          <p:cNvSpPr txBox="1"/>
+          <p:nvPr/>
+        </p:nvSpPr>
+        <p:spPr>
+          <a:xfrm>
+            <a:off x="301630" y="689535"/>
+            <a:ext cx="10564110" cy="369332"/>
+          </a:xfrm>
+          <a:prstGeom prst="rect">
+            <a:avLst/>
+          </a:prstGeom>
+          <a:noFill/>
+        </p:spPr>
+        <p:txBody>
+          <a:bodyPr wrap="none" rtlCol="0">
+            <a:spAutoFit/>
+          </a:bodyPr>
+          <a:lstStyle/>
+          <a:p>
+            <a:r>
+              <a:rPr kumimoji="1" lang="ja-JP" altLang="en-US" dirty="0"/>
+              <a:t>デモは、</a:t>
+            </a:r>
+            <a:r>
+              <a:rPr lang="ja-JP" altLang="en-US" dirty="0"/>
+              <a:t>テキスト・</a:t>
+            </a:r>
+            <a:r>
+              <a:rPr kumimoji="1" lang="en-US" altLang="ja-JP" dirty="0"/>
+              <a:t>PDF</a:t>
+            </a:r>
+            <a:r>
+              <a:rPr lang="ja-JP" altLang="en-US" dirty="0"/>
+              <a:t>・</a:t>
+            </a:r>
+            <a:r>
+              <a:rPr kumimoji="1" lang="en-US" altLang="ja-JP" dirty="0"/>
+              <a:t>PPT</a:t>
+            </a:r>
+            <a:r>
+              <a:rPr kumimoji="1" lang="ja-JP" altLang="en-US" dirty="0"/>
+              <a:t>等の社内ファイルを学習させて、質問に答えるシナリオとなります。</a:t>
+            </a:r>
+          </a:p>
+        </p:txBody>
+      </p:sp>
+    </p:spTree>
+    <p:extLst>
+      <p:ext uri="{BB962C8B-B14F-4D97-AF65-F5344CB8AC3E}">
+        <p14:creationId xmlns:p14="http://schemas.microsoft.com/office/powerpoint/2010/main" val="2168280853"/>
+      </p:ext>
+    </p:extLst>
+  </p:cSld>
+  <p:clrMapOvr>
+    <a:masterClrMapping/>
+  </p:clrMapOvr>
+</p:sld>
+</file>
+
+<file path=ppt/slides/slide2.xml><?xml version="1.0" encoding="utf-8"?>
 <p:sld xmlns:a="http://schemas.openxmlformats.org/drawingml/2006/main" xmlns:r="http://schemas.openxmlformats.org/officeDocument/2006/relationships" xmlns:p="http://schemas.openxmlformats.org/presentationml/2006/main">
   <p:cSld>
     <p:spTree>
@@ -5100,7 +7296,7 @@
         </p:nvSpPr>
         <p:spPr>
           <a:xfrm>
-            <a:off x="2765843" y="153261"/>
+            <a:off x="3437648" y="153261"/>
             <a:ext cx="5484194" cy="523220"/>
           </a:xfrm>
           <a:prstGeom prst="rect">
@@ -5109,11 +7305,12 @@
           <a:noFill/>
         </p:spPr>
         <p:txBody>
-          <a:bodyPr wrap="none" rtlCol="0">
+          <a:bodyPr wrap="none" rtlCol="0" anchor="ctr">
             <a:spAutoFit/>
           </a:bodyPr>
           <a:lstStyle/>
           <a:p>
+            <a:pPr algn="ctr"/>
             <a:r>
               <a:rPr kumimoji="1" lang="en-US" altLang="ja-JP" sz="2800" b="1" dirty="0" err="1"/>
               <a:t>HelloLangChain</a:t>

--- a/README.pptx
+++ b/README.pptx
@@ -3644,7 +3644,7 @@
         </p:blipFill>
         <p:spPr bwMode="auto">
           <a:xfrm>
-            <a:off x="4912119" y="982707"/>
+            <a:off x="4912119" y="885992"/>
             <a:ext cx="2535253" cy="1014101"/>
           </a:xfrm>
           <a:prstGeom prst="rect">
@@ -3676,8 +3676,8 @@
         </p:nvSpPr>
         <p:spPr>
           <a:xfrm>
-            <a:off x="3617186" y="153261"/>
-            <a:ext cx="5125121" cy="523220"/>
+            <a:off x="3617187" y="153261"/>
+            <a:ext cx="5125122" cy="523220"/>
           </a:xfrm>
           <a:prstGeom prst="rect">
             <a:avLst/>
@@ -3697,7 +3697,7 @@
             </a:r>
             <a:r>
               <a:rPr kumimoji="1" lang="ja-JP" altLang="en-US" sz="2800" b="1" dirty="0"/>
-              <a:t>デモシナリオ</a:t>
+              <a:t>アーキクチャ</a:t>
             </a:r>
           </a:p>
         </p:txBody>
@@ -3724,7 +3724,7 @@
         </p:blipFill>
         <p:spPr>
           <a:xfrm>
-            <a:off x="199706" y="2380316"/>
+            <a:off x="199706" y="2283601"/>
             <a:ext cx="2477926" cy="723369"/>
           </a:xfrm>
           <a:prstGeom prst="rect">
@@ -3746,7 +3746,7 @@
         </p:nvSpPr>
         <p:spPr>
           <a:xfrm>
-            <a:off x="199705" y="2052956"/>
+            <a:off x="199705" y="1956241"/>
             <a:ext cx="1826141" cy="338554"/>
           </a:xfrm>
           <a:prstGeom prst="rect">
@@ -3789,7 +3789,7 @@
         </p:blipFill>
         <p:spPr>
           <a:xfrm>
-            <a:off x="196775" y="3596837"/>
+            <a:off x="196775" y="3500122"/>
             <a:ext cx="2475726" cy="983955"/>
           </a:xfrm>
           <a:prstGeom prst="rect">
@@ -3811,7 +3811,7 @@
         </p:nvSpPr>
         <p:spPr>
           <a:xfrm>
-            <a:off x="196775" y="3269913"/>
+            <a:off x="196775" y="3173198"/>
             <a:ext cx="1418978" cy="338554"/>
           </a:xfrm>
           <a:prstGeom prst="rect">
@@ -3859,7 +3859,7 @@
         </p:blipFill>
         <p:spPr>
           <a:xfrm>
-            <a:off x="288263" y="5146050"/>
+            <a:off x="288263" y="5049335"/>
             <a:ext cx="2278730" cy="1425257"/>
           </a:xfrm>
           <a:prstGeom prst="rect">
@@ -3881,7 +3881,7 @@
         </p:nvSpPr>
         <p:spPr>
           <a:xfrm>
-            <a:off x="196775" y="4815651"/>
+            <a:off x="196775" y="4718936"/>
             <a:ext cx="1407758" cy="338554"/>
           </a:xfrm>
           <a:prstGeom prst="rect">
@@ -3921,7 +3921,7 @@
         </p:nvSpPr>
         <p:spPr>
           <a:xfrm>
-            <a:off x="3975315" y="2547503"/>
+            <a:off x="3975315" y="2450788"/>
             <a:ext cx="1094281" cy="388994"/>
           </a:xfrm>
           <a:prstGeom prst="rect">
@@ -3985,7 +3985,7 @@
         </p:nvSpPr>
         <p:spPr>
           <a:xfrm>
-            <a:off x="6179746" y="4389091"/>
+            <a:off x="6179746" y="4292376"/>
             <a:ext cx="2278730" cy="1104852"/>
           </a:xfrm>
           <a:prstGeom prst="flowChartMagneticDisk">
@@ -4081,7 +4081,7 @@
         </p:nvSpPr>
         <p:spPr>
           <a:xfrm>
-            <a:off x="4020339" y="3894317"/>
+            <a:off x="4020339" y="3797602"/>
             <a:ext cx="1272965" cy="388994"/>
           </a:xfrm>
           <a:prstGeom prst="rect">
@@ -4145,7 +4145,7 @@
         </p:nvSpPr>
         <p:spPr>
           <a:xfrm>
-            <a:off x="4035011" y="5459356"/>
+            <a:off x="4035011" y="5362641"/>
             <a:ext cx="1272965" cy="801349"/>
           </a:xfrm>
           <a:prstGeom prst="rect">
@@ -4231,7 +4231,7 @@
         </p:nvSpPr>
         <p:spPr>
           <a:xfrm>
-            <a:off x="5579093" y="2649649"/>
+            <a:off x="5579093" y="2552934"/>
             <a:ext cx="1738390" cy="573695"/>
           </a:xfrm>
           <a:prstGeom prst="rect">
@@ -4311,7 +4311,7 @@
         </p:nvSpPr>
         <p:spPr>
           <a:xfrm>
-            <a:off x="7639608" y="2649649"/>
+            <a:off x="7639608" y="2552934"/>
             <a:ext cx="1738390" cy="573695"/>
           </a:xfrm>
           <a:prstGeom prst="rect">
@@ -4378,7 +4378,7 @@
         </p:nvCxnSpPr>
         <p:spPr>
           <a:xfrm>
-            <a:off x="5069596" y="2742000"/>
+            <a:off x="5069596" y="2645285"/>
             <a:ext cx="1264547" cy="1677882"/>
           </a:xfrm>
           <a:prstGeom prst="straightConnector1">
@@ -4420,7 +4420,7 @@
         </p:nvCxnSpPr>
         <p:spPr>
           <a:xfrm>
-            <a:off x="5293304" y="4088814"/>
+            <a:off x="5293304" y="3992099"/>
             <a:ext cx="922435" cy="575122"/>
           </a:xfrm>
           <a:prstGeom prst="straightConnector1">
@@ -4463,7 +4463,7 @@
         </p:nvCxnSpPr>
         <p:spPr>
           <a:xfrm flipV="1">
-            <a:off x="5307976" y="4941517"/>
+            <a:off x="5307976" y="4844802"/>
             <a:ext cx="871770" cy="918514"/>
           </a:xfrm>
           <a:prstGeom prst="straightConnector1">
@@ -4506,7 +4506,7 @@
         </p:nvCxnSpPr>
         <p:spPr>
           <a:xfrm flipV="1">
-            <a:off x="2677632" y="2742000"/>
+            <a:off x="2677632" y="2645285"/>
             <a:ext cx="1297683" cy="1"/>
           </a:xfrm>
           <a:prstGeom prst="straightConnector1">
@@ -4549,7 +4549,7 @@
         </p:nvCxnSpPr>
         <p:spPr>
           <a:xfrm flipV="1">
-            <a:off x="2672501" y="4088814"/>
+            <a:off x="2672501" y="3992099"/>
             <a:ext cx="1347838" cy="1"/>
           </a:xfrm>
           <a:prstGeom prst="straightConnector1">
@@ -4592,7 +4592,7 @@
         </p:nvCxnSpPr>
         <p:spPr>
           <a:xfrm>
-            <a:off x="2566993" y="5858679"/>
+            <a:off x="2566993" y="5761964"/>
             <a:ext cx="1468018" cy="1352"/>
           </a:xfrm>
           <a:prstGeom prst="straightConnector1">
@@ -4634,7 +4634,7 @@
         </p:nvCxnSpPr>
         <p:spPr>
           <a:xfrm>
-            <a:off x="6448288" y="3223344"/>
+            <a:off x="6448288" y="3126629"/>
             <a:ext cx="409712" cy="1165747"/>
           </a:xfrm>
           <a:prstGeom prst="straightConnector1">
@@ -4676,7 +4676,7 @@
         </p:nvCxnSpPr>
         <p:spPr>
           <a:xfrm flipH="1">
-            <a:off x="7850335" y="3223344"/>
+            <a:off x="7850335" y="3126629"/>
             <a:ext cx="658468" cy="1165747"/>
           </a:xfrm>
           <a:prstGeom prst="straightConnector1">
@@ -4718,7 +4718,7 @@
         </p:nvCxnSpPr>
         <p:spPr>
           <a:xfrm flipH="1" flipV="1">
-            <a:off x="6096000" y="1802699"/>
+            <a:off x="6096000" y="1705984"/>
             <a:ext cx="352288" cy="846950"/>
           </a:xfrm>
           <a:prstGeom prst="straightConnector1">
@@ -4760,7 +4760,7 @@
         </p:nvCxnSpPr>
         <p:spPr>
           <a:xfrm flipH="1" flipV="1">
-            <a:off x="6796454" y="1802699"/>
+            <a:off x="6796454" y="1705984"/>
             <a:ext cx="1712349" cy="846950"/>
           </a:xfrm>
           <a:prstGeom prst="straightConnector1">
@@ -4799,7 +4799,7 @@
         </p:nvSpPr>
         <p:spPr>
           <a:xfrm>
-            <a:off x="11077894" y="2479296"/>
+            <a:off x="11077894" y="2382581"/>
             <a:ext cx="914400" cy="914400"/>
           </a:xfrm>
           <a:prstGeom prst="smileyFace">
@@ -4854,7 +4854,7 @@
         </p:nvCxnSpPr>
         <p:spPr>
           <a:xfrm flipH="1">
-            <a:off x="9377998" y="2775101"/>
+            <a:off x="9377998" y="2678386"/>
             <a:ext cx="1621179" cy="0"/>
           </a:xfrm>
           <a:prstGeom prst="straightConnector1">
@@ -4895,7 +4895,7 @@
         </p:nvCxnSpPr>
         <p:spPr>
           <a:xfrm>
-            <a:off x="9377998" y="3099331"/>
+            <a:off x="9377998" y="3002616"/>
             <a:ext cx="1699896" cy="0"/>
           </a:xfrm>
           <a:prstGeom prst="straightConnector1">
@@ -4934,7 +4934,7 @@
         </p:nvSpPr>
         <p:spPr>
           <a:xfrm>
-            <a:off x="11077894" y="2107743"/>
+            <a:off x="11077894" y="2011028"/>
             <a:ext cx="877163" cy="369332"/>
           </a:xfrm>
           <a:prstGeom prst="rect">
@@ -4970,7 +4970,7 @@
         </p:nvSpPr>
         <p:spPr>
           <a:xfrm>
-            <a:off x="8990194" y="1348832"/>
+            <a:off x="8990194" y="1252117"/>
             <a:ext cx="1875546" cy="846950"/>
           </a:xfrm>
           <a:prstGeom prst="wedgeRoundRectCallout">
@@ -5057,7 +5057,7 @@
         </p:nvSpPr>
         <p:spPr>
           <a:xfrm>
-            <a:off x="9041655" y="4007067"/>
+            <a:off x="9041655" y="3910352"/>
             <a:ext cx="2775207" cy="1868900"/>
           </a:xfrm>
           <a:prstGeom prst="wedgeRoundRectCallout">
@@ -5141,7 +5141,7 @@
         </p:nvSpPr>
         <p:spPr>
           <a:xfrm>
-            <a:off x="536330" y="1340781"/>
+            <a:off x="536330" y="1244066"/>
             <a:ext cx="1489516" cy="522017"/>
           </a:xfrm>
           <a:prstGeom prst="wedgeRoundRectCallout">
@@ -5204,7 +5204,7 @@
         </p:nvSpPr>
         <p:spPr>
           <a:xfrm>
-            <a:off x="8650554" y="6099633"/>
+            <a:off x="8650554" y="6002918"/>
             <a:ext cx="1698242" cy="597295"/>
           </a:xfrm>
           <a:prstGeom prst="rect">
@@ -5279,7 +5279,7 @@
         </p:nvSpPr>
         <p:spPr>
           <a:xfrm>
-            <a:off x="7850335" y="6232753"/>
+            <a:off x="7850335" y="6136038"/>
             <a:ext cx="800219" cy="338554"/>
           </a:xfrm>
           <a:prstGeom prst="rect">
@@ -5314,7 +5314,7 @@
         </p:nvSpPr>
         <p:spPr>
           <a:xfrm>
-            <a:off x="3060506" y="3806217"/>
+            <a:off x="3060506" y="3709502"/>
             <a:ext cx="615874" cy="646331"/>
           </a:xfrm>
           <a:prstGeom prst="rect">
@@ -5364,7 +5364,7 @@
         </p:nvSpPr>
         <p:spPr>
           <a:xfrm>
-            <a:off x="3057008" y="2562732"/>
+            <a:off x="3057008" y="2466017"/>
             <a:ext cx="538930" cy="276999"/>
           </a:xfrm>
           <a:prstGeom prst="rect">
@@ -5402,7 +5402,7 @@
         </p:nvSpPr>
         <p:spPr>
           <a:xfrm rot="5400000">
-            <a:off x="5452274" y="3623714"/>
+            <a:off x="5452274" y="3526999"/>
             <a:ext cx="1946372" cy="1915879"/>
           </a:xfrm>
           <a:prstGeom prst="corner">
@@ -5454,7 +5454,7 @@
         </p:nvSpPr>
         <p:spPr>
           <a:xfrm>
-            <a:off x="5725862" y="3627140"/>
+            <a:off x="5725862" y="3530425"/>
             <a:ext cx="1378904" cy="276999"/>
           </a:xfrm>
           <a:prstGeom prst="rect">
@@ -5490,7 +5490,7 @@
         </p:nvSpPr>
         <p:spPr>
           <a:xfrm>
-            <a:off x="7676965" y="3506402"/>
+            <a:off x="7676965" y="3409687"/>
             <a:ext cx="1359668" cy="276999"/>
           </a:xfrm>
           <a:prstGeom prst="rect">
@@ -5528,7 +5528,7 @@
         </p:nvSpPr>
         <p:spPr>
           <a:xfrm>
-            <a:off x="9700123" y="2620474"/>
+            <a:off x="9700123" y="2523759"/>
             <a:ext cx="420308" cy="276999"/>
           </a:xfrm>
           <a:prstGeom prst="rect">
@@ -5566,7 +5566,7 @@
         </p:nvSpPr>
         <p:spPr>
           <a:xfrm>
-            <a:off x="10017792" y="2946345"/>
+            <a:off x="10017792" y="2849630"/>
             <a:ext cx="590226" cy="276999"/>
           </a:xfrm>
           <a:prstGeom prst="rect">
@@ -5606,7 +5606,7 @@
         </p:nvCxnSpPr>
         <p:spPr>
           <a:xfrm>
-            <a:off x="10691446" y="6435069"/>
+            <a:off x="10691446" y="6338354"/>
             <a:ext cx="1263611" cy="0"/>
           </a:xfrm>
           <a:prstGeom prst="straightConnector1">
@@ -5645,7 +5645,7 @@
         </p:nvSpPr>
         <p:spPr>
           <a:xfrm>
-            <a:off x="11028138" y="6294308"/>
+            <a:off x="11028138" y="6197593"/>
             <a:ext cx="516162" cy="276999"/>
           </a:xfrm>
           <a:prstGeom prst="rect">
@@ -5684,7 +5684,7 @@
         </p:nvSpPr>
         <p:spPr>
           <a:xfrm>
-            <a:off x="3079171" y="5446846"/>
+            <a:off x="3079171" y="5350131"/>
             <a:ext cx="615874" cy="646331"/>
           </a:xfrm>
           <a:prstGeom prst="rect">
@@ -5717,61 +5717,6 @@
               <a:t>split</a:t>
             </a:r>
             <a:endParaRPr kumimoji="1" lang="ja-JP" altLang="en-US" sz="1200" dirty="0"/>
-          </a:p>
-        </p:txBody>
-      </p:sp>
-      <p:sp>
-        <p:nvSpPr>
-          <p:cNvPr id="1066" name="テキスト ボックス 1065">
-            <a:extLst>
-              <a:ext uri="{FF2B5EF4-FFF2-40B4-BE49-F238E27FC236}">
-                <a16:creationId xmlns:a16="http://schemas.microsoft.com/office/drawing/2014/main" id="{33645893-4B04-63E9-9C7C-633DB9319766}"/>
-              </a:ext>
-            </a:extLst>
-          </p:cNvPr>
-          <p:cNvSpPr txBox="1"/>
-          <p:nvPr/>
-        </p:nvSpPr>
-        <p:spPr>
-          <a:xfrm>
-            <a:off x="301630" y="689535"/>
-            <a:ext cx="10564110" cy="369332"/>
-          </a:xfrm>
-          <a:prstGeom prst="rect">
-            <a:avLst/>
-          </a:prstGeom>
-          <a:noFill/>
-        </p:spPr>
-        <p:txBody>
-          <a:bodyPr wrap="none" rtlCol="0">
-            <a:spAutoFit/>
-          </a:bodyPr>
-          <a:lstStyle/>
-          <a:p>
-            <a:r>
-              <a:rPr kumimoji="1" lang="ja-JP" altLang="en-US" dirty="0"/>
-              <a:t>デモは、</a:t>
-            </a:r>
-            <a:r>
-              <a:rPr lang="ja-JP" altLang="en-US" dirty="0"/>
-              <a:t>テキスト・</a:t>
-            </a:r>
-            <a:r>
-              <a:rPr kumimoji="1" lang="en-US" altLang="ja-JP" dirty="0"/>
-              <a:t>PDF</a:t>
-            </a:r>
-            <a:r>
-              <a:rPr lang="ja-JP" altLang="en-US" dirty="0"/>
-              <a:t>・</a:t>
-            </a:r>
-            <a:r>
-              <a:rPr kumimoji="1" lang="en-US" altLang="ja-JP" dirty="0"/>
-              <a:t>PPT</a:t>
-            </a:r>
-            <a:r>
-              <a:rPr kumimoji="1" lang="ja-JP" altLang="en-US" dirty="0"/>
-              <a:t>等の社内ファイルを学習させて、質問に答えるシナリオとなります。</a:t>
-            </a:r>
           </a:p>
         </p:txBody>
       </p:sp>

--- a/README.pptx
+++ b/README.pptx
@@ -260,7 +260,7 @@
           <a:p>
             <a:fld id="{5DD5B2B0-6778-49BE-B8F9-0E89B2A0106B}" type="datetimeFigureOut">
               <a:rPr kumimoji="1" lang="ja-JP" altLang="en-US" smtClean="0"/>
-              <a:t>2023/6/25</a:t>
+              <a:t>2023/7/3</a:t>
             </a:fld>
             <a:endParaRPr kumimoji="1" lang="ja-JP" altLang="en-US"/>
           </a:p>
@@ -490,7 +490,7 @@
           <a:p>
             <a:fld id="{5DD5B2B0-6778-49BE-B8F9-0E89B2A0106B}" type="datetimeFigureOut">
               <a:rPr kumimoji="1" lang="ja-JP" altLang="en-US" smtClean="0"/>
-              <a:t>2023/6/25</a:t>
+              <a:t>2023/7/3</a:t>
             </a:fld>
             <a:endParaRPr kumimoji="1" lang="ja-JP" altLang="en-US"/>
           </a:p>
@@ -730,7 +730,7 @@
           <a:p>
             <a:fld id="{5DD5B2B0-6778-49BE-B8F9-0E89B2A0106B}" type="datetimeFigureOut">
               <a:rPr kumimoji="1" lang="ja-JP" altLang="en-US" smtClean="0"/>
-              <a:t>2023/6/25</a:t>
+              <a:t>2023/7/3</a:t>
             </a:fld>
             <a:endParaRPr kumimoji="1" lang="ja-JP" altLang="en-US"/>
           </a:p>
@@ -960,7 +960,7 @@
           <a:p>
             <a:fld id="{5DD5B2B0-6778-49BE-B8F9-0E89B2A0106B}" type="datetimeFigureOut">
               <a:rPr kumimoji="1" lang="ja-JP" altLang="en-US" smtClean="0"/>
-              <a:t>2023/6/25</a:t>
+              <a:t>2023/7/3</a:t>
             </a:fld>
             <a:endParaRPr kumimoji="1" lang="ja-JP" altLang="en-US"/>
           </a:p>
@@ -1235,7 +1235,7 @@
           <a:p>
             <a:fld id="{5DD5B2B0-6778-49BE-B8F9-0E89B2A0106B}" type="datetimeFigureOut">
               <a:rPr kumimoji="1" lang="ja-JP" altLang="en-US" smtClean="0"/>
-              <a:t>2023/6/25</a:t>
+              <a:t>2023/7/3</a:t>
             </a:fld>
             <a:endParaRPr kumimoji="1" lang="ja-JP" altLang="en-US"/>
           </a:p>
@@ -1564,7 +1564,7 @@
           <a:p>
             <a:fld id="{5DD5B2B0-6778-49BE-B8F9-0E89B2A0106B}" type="datetimeFigureOut">
               <a:rPr kumimoji="1" lang="ja-JP" altLang="en-US" smtClean="0"/>
-              <a:t>2023/6/25</a:t>
+              <a:t>2023/7/3</a:t>
             </a:fld>
             <a:endParaRPr kumimoji="1" lang="ja-JP" altLang="en-US"/>
           </a:p>
@@ -2040,7 +2040,7 @@
           <a:p>
             <a:fld id="{5DD5B2B0-6778-49BE-B8F9-0E89B2A0106B}" type="datetimeFigureOut">
               <a:rPr kumimoji="1" lang="ja-JP" altLang="en-US" smtClean="0"/>
-              <a:t>2023/6/25</a:t>
+              <a:t>2023/7/3</a:t>
             </a:fld>
             <a:endParaRPr kumimoji="1" lang="ja-JP" altLang="en-US"/>
           </a:p>
@@ -2181,7 +2181,7 @@
           <a:p>
             <a:fld id="{5DD5B2B0-6778-49BE-B8F9-0E89B2A0106B}" type="datetimeFigureOut">
               <a:rPr kumimoji="1" lang="ja-JP" altLang="en-US" smtClean="0"/>
-              <a:t>2023/6/25</a:t>
+              <a:t>2023/7/3</a:t>
             </a:fld>
             <a:endParaRPr kumimoji="1" lang="ja-JP" altLang="en-US"/>
           </a:p>
@@ -2294,7 +2294,7 @@
           <a:p>
             <a:fld id="{5DD5B2B0-6778-49BE-B8F9-0E89B2A0106B}" type="datetimeFigureOut">
               <a:rPr kumimoji="1" lang="ja-JP" altLang="en-US" smtClean="0"/>
-              <a:t>2023/6/25</a:t>
+              <a:t>2023/7/3</a:t>
             </a:fld>
             <a:endParaRPr kumimoji="1" lang="ja-JP" altLang="en-US"/>
           </a:p>
@@ -2637,7 +2637,7 @@
           <a:p>
             <a:fld id="{5DD5B2B0-6778-49BE-B8F9-0E89B2A0106B}" type="datetimeFigureOut">
               <a:rPr kumimoji="1" lang="ja-JP" altLang="en-US" smtClean="0"/>
-              <a:t>2023/6/25</a:t>
+              <a:t>2023/7/3</a:t>
             </a:fld>
             <a:endParaRPr kumimoji="1" lang="ja-JP" altLang="en-US"/>
           </a:p>
@@ -2925,7 +2925,7 @@
           <a:p>
             <a:fld id="{5DD5B2B0-6778-49BE-B8F9-0E89B2A0106B}" type="datetimeFigureOut">
               <a:rPr kumimoji="1" lang="ja-JP" altLang="en-US" smtClean="0"/>
-              <a:t>2023/6/25</a:t>
+              <a:t>2023/7/3</a:t>
             </a:fld>
             <a:endParaRPr kumimoji="1" lang="ja-JP" altLang="en-US"/>
           </a:p>
@@ -3198,7 +3198,7 @@
           <a:p>
             <a:fld id="{5DD5B2B0-6778-49BE-B8F9-0E89B2A0106B}" type="datetimeFigureOut">
               <a:rPr kumimoji="1" lang="ja-JP" altLang="en-US" smtClean="0"/>
-              <a:t>2023/6/25</a:t>
+              <a:t>2023/7/3</a:t>
             </a:fld>
             <a:endParaRPr kumimoji="1" lang="ja-JP" altLang="en-US"/>
           </a:p>
@@ -5765,7 +5765,7 @@
           <p:nvPr>
             <p:extLst>
               <p:ext uri="{D42A27DB-BD31-4B8C-83A1-F6EECF244321}">
-                <p14:modId xmlns:p14="http://schemas.microsoft.com/office/powerpoint/2010/main" val="2515631680"/>
+                <p14:modId xmlns:p14="http://schemas.microsoft.com/office/powerpoint/2010/main" val="3454281305"/>
               </p:ext>
             </p:extLst>
           </p:nvPr>
@@ -5811,11 +5811,176 @@
                         </a:rPr>
                         <a:t>Visual Studio Code</a:t>
                       </a:r>
-                      <a:endParaRPr kumimoji="1" lang="ja-JP" altLang="en-US" b="0" dirty="0">
+                    </a:p>
+                    <a:p>
+                      <a:pPr algn="ctr"/>
+                      <a:endParaRPr kumimoji="1" lang="en-US" altLang="ja-JP" b="0" dirty="0">
                         <a:solidFill>
                           <a:schemeClr val="tx1"/>
                         </a:solidFill>
                       </a:endParaRPr>
+                    </a:p>
+                    <a:p>
+                      <a:pPr algn="l"/>
+                      <a:r>
+                        <a:rPr kumimoji="1" lang="ja-JP" altLang="en-US" b="0" dirty="0">
+                          <a:solidFill>
+                            <a:schemeClr val="tx1"/>
+                          </a:solidFill>
+                        </a:rPr>
+                        <a:t>　　　　　拡張機能</a:t>
+                      </a:r>
+                      <a:endParaRPr kumimoji="1" lang="en-US" altLang="ja-JP" b="0" dirty="0">
+                        <a:solidFill>
+                          <a:schemeClr val="tx1"/>
+                        </a:solidFill>
+                      </a:endParaRPr>
+                    </a:p>
+                    <a:p>
+                      <a:pPr marL="0" marR="0" lvl="0" indent="0" algn="l" defTabSz="914400" rtl="0" eaLnBrk="1" fontAlgn="auto" latinLnBrk="0" hangingPunct="1">
+                        <a:lnSpc>
+                          <a:spcPct val="100000"/>
+                        </a:lnSpc>
+                        <a:spcBef>
+                          <a:spcPts val="0"/>
+                        </a:spcBef>
+                        <a:spcAft>
+                          <a:spcPts val="0"/>
+                        </a:spcAft>
+                        <a:buClrTx/>
+                        <a:buSzTx/>
+                        <a:buFont typeface="Arial" panose="020B0604020202020204" pitchFamily="34" charset="0"/>
+                        <a:buNone/>
+                        <a:tabLst/>
+                        <a:defRPr/>
+                      </a:pPr>
+                      <a:r>
+                        <a:rPr kumimoji="1" lang="ja-JP" altLang="en-US" sz="1400" b="0" i="0" kern="1200" dirty="0">
+                          <a:solidFill>
+                            <a:schemeClr val="tx1"/>
+                          </a:solidFill>
+                          <a:effectLst/>
+                          <a:latin typeface="+mn-lt"/>
+                          <a:ea typeface="+mn-ea"/>
+                          <a:cs typeface="+mn-cs"/>
+                        </a:rPr>
+                        <a:t>　　　　　　・</a:t>
+                      </a:r>
+                      <a:r>
+                        <a:rPr kumimoji="1" lang="en-US" altLang="ja-JP" sz="1400" b="0" i="0" kern="1200" dirty="0">
+                          <a:solidFill>
+                            <a:schemeClr val="tx1"/>
+                          </a:solidFill>
+                          <a:effectLst/>
+                          <a:latin typeface="+mn-lt"/>
+                          <a:ea typeface="+mn-ea"/>
+                          <a:cs typeface="+mn-cs"/>
+                        </a:rPr>
+                        <a:t>WSL</a:t>
+                      </a:r>
+                    </a:p>
+                    <a:p>
+                      <a:pPr marL="0" marR="0" lvl="0" indent="0" algn="l" defTabSz="914400" rtl="0" eaLnBrk="1" fontAlgn="auto" latinLnBrk="0" hangingPunct="1">
+                        <a:lnSpc>
+                          <a:spcPct val="100000"/>
+                        </a:lnSpc>
+                        <a:spcBef>
+                          <a:spcPts val="0"/>
+                        </a:spcBef>
+                        <a:spcAft>
+                          <a:spcPts val="0"/>
+                        </a:spcAft>
+                        <a:buClrTx/>
+                        <a:buSzTx/>
+                        <a:buFont typeface="Arial" panose="020B0604020202020204" pitchFamily="34" charset="0"/>
+                        <a:buNone/>
+                        <a:tabLst/>
+                        <a:defRPr/>
+                      </a:pPr>
+                      <a:r>
+                        <a:rPr kumimoji="1" lang="ja-JP" altLang="en-US" sz="1400" b="0" i="0" kern="1200" dirty="0">
+                          <a:solidFill>
+                            <a:schemeClr val="tx1"/>
+                          </a:solidFill>
+                          <a:effectLst/>
+                          <a:latin typeface="+mn-lt"/>
+                          <a:ea typeface="+mn-ea"/>
+                          <a:cs typeface="+mn-cs"/>
+                        </a:rPr>
+                        <a:t>　　　　　　・</a:t>
+                      </a:r>
+                      <a:r>
+                        <a:rPr kumimoji="1" lang="en-US" altLang="ja-JP" sz="1400" b="0" i="0" kern="1200" dirty="0">
+                          <a:solidFill>
+                            <a:schemeClr val="tx1"/>
+                          </a:solidFill>
+                          <a:effectLst/>
+                          <a:latin typeface="+mn-lt"/>
+                          <a:ea typeface="+mn-ea"/>
+                          <a:cs typeface="+mn-cs"/>
+                        </a:rPr>
+                        <a:t>Japanese Language Pack</a:t>
+                      </a:r>
+                    </a:p>
+                    <a:p>
+                      <a:pPr marL="0" indent="0" algn="l">
+                        <a:buFont typeface="Arial" panose="020B0604020202020204" pitchFamily="34" charset="0"/>
+                        <a:buNone/>
+                      </a:pPr>
+                      <a:r>
+                        <a:rPr kumimoji="1" lang="ja-JP" altLang="en-US" sz="1400" b="0" i="0" kern="1200" dirty="0">
+                          <a:solidFill>
+                            <a:schemeClr val="tx1"/>
+                          </a:solidFill>
+                          <a:effectLst/>
+                          <a:latin typeface="+mn-lt"/>
+                          <a:ea typeface="+mn-ea"/>
+                          <a:cs typeface="+mn-cs"/>
+                        </a:rPr>
+                        <a:t>　　　　　　・</a:t>
+                      </a:r>
+                      <a:r>
+                        <a:rPr kumimoji="1" lang="en-US" altLang="ja-JP" sz="1400" b="0" i="0" kern="1200" dirty="0">
+                          <a:solidFill>
+                            <a:schemeClr val="tx1"/>
+                          </a:solidFill>
+                          <a:effectLst/>
+                          <a:latin typeface="+mn-lt"/>
+                          <a:ea typeface="+mn-ea"/>
+                          <a:cs typeface="+mn-cs"/>
+                        </a:rPr>
+                        <a:t>Python extension</a:t>
+                      </a:r>
+                    </a:p>
+                    <a:p>
+                      <a:pPr marL="0" indent="0" algn="l">
+                        <a:buFont typeface="Arial" panose="020B0604020202020204" pitchFamily="34" charset="0"/>
+                        <a:buNone/>
+                      </a:pPr>
+                      <a:r>
+                        <a:rPr kumimoji="1" lang="ja-JP" altLang="en-US" sz="1400" b="0" i="0" kern="1200" dirty="0">
+                          <a:solidFill>
+                            <a:schemeClr val="tx1"/>
+                          </a:solidFill>
+                          <a:effectLst/>
+                          <a:latin typeface="+mn-lt"/>
+                          <a:ea typeface="+mn-ea"/>
+                          <a:cs typeface="+mn-cs"/>
+                        </a:rPr>
+                        <a:t>　　　　　　・</a:t>
+                      </a:r>
+                      <a:r>
+                        <a:rPr kumimoji="1" lang="en-US" altLang="ja-JP" sz="1400" b="0" i="0" kern="1200" dirty="0">
+                          <a:solidFill>
+                            <a:schemeClr val="tx1"/>
+                          </a:solidFill>
+                          <a:effectLst/>
+                          <a:latin typeface="+mn-lt"/>
+                          <a:ea typeface="+mn-ea"/>
+                          <a:cs typeface="+mn-cs"/>
+                        </a:rPr>
+                        <a:t>GitHub Copilot</a:t>
+                      </a:r>
                     </a:p>
                   </a:txBody>
                   <a:tcPr anchor="ctr">
@@ -6236,7 +6401,7 @@
                       </a:r>
                       <a:r>
                         <a:rPr kumimoji="1" lang="en-US" altLang="ja-JP" dirty="0" err="1"/>
-                        <a:t>Venv</a:t>
+                        <a:t>venv</a:t>
                       </a:r>
                       <a:r>
                         <a:rPr kumimoji="1" lang="en-US" altLang="ja-JP" dirty="0"/>
@@ -6469,7 +6634,7 @@
                       <a:pPr algn="ctr"/>
                       <a:r>
                         <a:rPr kumimoji="1" lang="en-US" altLang="ja-JP" dirty="0"/>
-                        <a:t>Windows Subsystem Linux(Ubuntu)</a:t>
+                        <a:t>Windows Subsystem Linux2 (Ubuntu)</a:t>
                       </a:r>
                       <a:endParaRPr kumimoji="1" lang="ja-JP" altLang="en-US" dirty="0"/>
                     </a:p>
